--- a/pictures/BIOP_DataStructure.pptx
+++ b/pictures/BIOP_DataStructure.pptx
@@ -270,7 +270,7 @@
           <a:p>
             <a:fld id="{E311178C-B808-418C-AE75-F157483FF213}" type="datetimeFigureOut">
               <a:rPr lang="zh-CN" altLang="en-US" smtClean="0"/>
-              <a:t>2021/9/19</a:t>
+              <a:t>2021/9/26</a:t>
             </a:fld>
             <a:endParaRPr lang="zh-CN" altLang="en-US"/>
           </a:p>
@@ -468,7 +468,7 @@
           <a:p>
             <a:fld id="{E311178C-B808-418C-AE75-F157483FF213}" type="datetimeFigureOut">
               <a:rPr lang="zh-CN" altLang="en-US" smtClean="0"/>
-              <a:t>2021/9/19</a:t>
+              <a:t>2021/9/26</a:t>
             </a:fld>
             <a:endParaRPr lang="zh-CN" altLang="en-US"/>
           </a:p>
@@ -676,7 +676,7 @@
           <a:p>
             <a:fld id="{E311178C-B808-418C-AE75-F157483FF213}" type="datetimeFigureOut">
               <a:rPr lang="zh-CN" altLang="en-US" smtClean="0"/>
-              <a:t>2021/9/19</a:t>
+              <a:t>2021/9/26</a:t>
             </a:fld>
             <a:endParaRPr lang="zh-CN" altLang="en-US"/>
           </a:p>
@@ -874,7 +874,7 @@
           <a:p>
             <a:fld id="{E311178C-B808-418C-AE75-F157483FF213}" type="datetimeFigureOut">
               <a:rPr lang="zh-CN" altLang="en-US" smtClean="0"/>
-              <a:t>2021/9/19</a:t>
+              <a:t>2021/9/26</a:t>
             </a:fld>
             <a:endParaRPr lang="zh-CN" altLang="en-US"/>
           </a:p>
@@ -1149,7 +1149,7 @@
           <a:p>
             <a:fld id="{E311178C-B808-418C-AE75-F157483FF213}" type="datetimeFigureOut">
               <a:rPr lang="zh-CN" altLang="en-US" smtClean="0"/>
-              <a:t>2021/9/19</a:t>
+              <a:t>2021/9/26</a:t>
             </a:fld>
             <a:endParaRPr lang="zh-CN" altLang="en-US"/>
           </a:p>
@@ -1414,7 +1414,7 @@
           <a:p>
             <a:fld id="{E311178C-B808-418C-AE75-F157483FF213}" type="datetimeFigureOut">
               <a:rPr lang="zh-CN" altLang="en-US" smtClean="0"/>
-              <a:t>2021/9/19</a:t>
+              <a:t>2021/9/26</a:t>
             </a:fld>
             <a:endParaRPr lang="zh-CN" altLang="en-US"/>
           </a:p>
@@ -1826,7 +1826,7 @@
           <a:p>
             <a:fld id="{E311178C-B808-418C-AE75-F157483FF213}" type="datetimeFigureOut">
               <a:rPr lang="zh-CN" altLang="en-US" smtClean="0"/>
-              <a:t>2021/9/19</a:t>
+              <a:t>2021/9/26</a:t>
             </a:fld>
             <a:endParaRPr lang="zh-CN" altLang="en-US"/>
           </a:p>
@@ -1967,7 +1967,7 @@
           <a:p>
             <a:fld id="{E311178C-B808-418C-AE75-F157483FF213}" type="datetimeFigureOut">
               <a:rPr lang="zh-CN" altLang="en-US" smtClean="0"/>
-              <a:t>2021/9/19</a:t>
+              <a:t>2021/9/26</a:t>
             </a:fld>
             <a:endParaRPr lang="zh-CN" altLang="en-US"/>
           </a:p>
@@ -2080,7 +2080,7 @@
           <a:p>
             <a:fld id="{E311178C-B808-418C-AE75-F157483FF213}" type="datetimeFigureOut">
               <a:rPr lang="zh-CN" altLang="en-US" smtClean="0"/>
-              <a:t>2021/9/19</a:t>
+              <a:t>2021/9/26</a:t>
             </a:fld>
             <a:endParaRPr lang="zh-CN" altLang="en-US"/>
           </a:p>
@@ -2391,7 +2391,7 @@
           <a:p>
             <a:fld id="{E311178C-B808-418C-AE75-F157483FF213}" type="datetimeFigureOut">
               <a:rPr lang="zh-CN" altLang="en-US" smtClean="0"/>
-              <a:t>2021/9/19</a:t>
+              <a:t>2021/9/26</a:t>
             </a:fld>
             <a:endParaRPr lang="zh-CN" altLang="en-US"/>
           </a:p>
@@ -2679,7 +2679,7 @@
           <a:p>
             <a:fld id="{E311178C-B808-418C-AE75-F157483FF213}" type="datetimeFigureOut">
               <a:rPr lang="zh-CN" altLang="en-US" smtClean="0"/>
-              <a:t>2021/9/19</a:t>
+              <a:t>2021/9/26</a:t>
             </a:fld>
             <a:endParaRPr lang="zh-CN" altLang="en-US"/>
           </a:p>
@@ -2920,7 +2920,7 @@
           <a:p>
             <a:fld id="{E311178C-B808-418C-AE75-F157483FF213}" type="datetimeFigureOut">
               <a:rPr lang="zh-CN" altLang="en-US" smtClean="0"/>
-              <a:t>2021/9/19</a:t>
+              <a:t>2021/9/26</a:t>
             </a:fld>
             <a:endParaRPr lang="zh-CN" altLang="en-US"/>
           </a:p>
@@ -3658,8 +3658,8 @@
           </a:fontRef>
         </p:style>
       </p:cxnSp>
-      <mc:AlternateContent xmlns:mc="http://schemas.openxmlformats.org/markup-compatibility/2006">
-        <mc:Choice xmlns:a14="http://schemas.microsoft.com/office/drawing/2010/main" Requires="a14">
+      <mc:AlternateContent xmlns:mc="http://schemas.openxmlformats.org/markup-compatibility/2006" xmlns:a14="http://schemas.microsoft.com/office/drawing/2010/main">
+        <mc:Choice Requires="a14">
           <p:sp>
             <p:nvSpPr>
               <p:cNvPr id="25" name="文本框 24">
@@ -3688,6 +3688,7 @@
               </a:bodyPr>
               <a:lstStyle/>
               <a:p>
+                <a:pPr/>
                 <a14:m>
                   <m:oMathPara xmlns:m="http://schemas.openxmlformats.org/officeDocument/2006/math">
                     <m:oMathParaPr>
@@ -3727,7 +3728,7 @@
             </p:txBody>
           </p:sp>
         </mc:Choice>
-        <mc:Fallback>
+        <mc:Fallback xmlns="">
           <p:sp>
             <p:nvSpPr>
               <p:cNvPr id="25" name="文本框 24">
@@ -3772,8 +3773,8 @@
           </p:sp>
         </mc:Fallback>
       </mc:AlternateContent>
-      <mc:AlternateContent xmlns:mc="http://schemas.openxmlformats.org/markup-compatibility/2006">
-        <mc:Choice xmlns:a14="http://schemas.microsoft.com/office/drawing/2010/main" Requires="a14">
+      <mc:AlternateContent xmlns:mc="http://schemas.openxmlformats.org/markup-compatibility/2006" xmlns:a14="http://schemas.microsoft.com/office/drawing/2010/main">
+        <mc:Choice Requires="a14">
           <p:sp>
             <p:nvSpPr>
               <p:cNvPr id="27" name="文本框 26">
@@ -3802,6 +3803,7 @@
               </a:bodyPr>
               <a:lstStyle/>
               <a:p>
+                <a:pPr/>
                 <a14:m>
                   <m:oMathPara xmlns:m="http://schemas.openxmlformats.org/officeDocument/2006/math">
                     <m:oMathParaPr>
@@ -3841,7 +3843,7 @@
             </p:txBody>
           </p:sp>
         </mc:Choice>
-        <mc:Fallback>
+        <mc:Fallback xmlns="">
           <p:sp>
             <p:nvSpPr>
               <p:cNvPr id="27" name="文本框 26">
@@ -3886,8 +3888,8 @@
           </p:sp>
         </mc:Fallback>
       </mc:AlternateContent>
-      <mc:AlternateContent xmlns:mc="http://schemas.openxmlformats.org/markup-compatibility/2006">
-        <mc:Choice xmlns:a14="http://schemas.microsoft.com/office/drawing/2010/main" Requires="a14">
+      <mc:AlternateContent xmlns:mc="http://schemas.openxmlformats.org/markup-compatibility/2006" xmlns:a14="http://schemas.microsoft.com/office/drawing/2010/main">
+        <mc:Choice Requires="a14">
           <p:sp>
             <p:nvSpPr>
               <p:cNvPr id="28" name="文本框 27">
@@ -3916,6 +3918,7 @@
               </a:bodyPr>
               <a:lstStyle/>
               <a:p>
+                <a:pPr/>
                 <a14:m>
                   <m:oMathPara xmlns:m="http://schemas.openxmlformats.org/officeDocument/2006/math">
                     <m:oMathParaPr>
@@ -3955,7 +3958,7 @@
             </p:txBody>
           </p:sp>
         </mc:Choice>
-        <mc:Fallback>
+        <mc:Fallback xmlns="">
           <p:sp>
             <p:nvSpPr>
               <p:cNvPr id="28" name="文本框 27">
@@ -4000,8 +4003,8 @@
           </p:sp>
         </mc:Fallback>
       </mc:AlternateContent>
-      <mc:AlternateContent xmlns:mc="http://schemas.openxmlformats.org/markup-compatibility/2006">
-        <mc:Choice xmlns:a14="http://schemas.microsoft.com/office/drawing/2010/main" Requires="a14">
+      <mc:AlternateContent xmlns:mc="http://schemas.openxmlformats.org/markup-compatibility/2006" xmlns:a14="http://schemas.microsoft.com/office/drawing/2010/main">
+        <mc:Choice Requires="a14">
           <p:sp>
             <p:nvSpPr>
               <p:cNvPr id="29" name="文本框 28">
@@ -4030,6 +4033,7 @@
               </a:bodyPr>
               <a:lstStyle/>
               <a:p>
+                <a:pPr/>
                 <a14:m>
                   <m:oMathPara xmlns:m="http://schemas.openxmlformats.org/officeDocument/2006/math">
                     <m:oMathParaPr>
@@ -4069,7 +4073,7 @@
             </p:txBody>
           </p:sp>
         </mc:Choice>
-        <mc:Fallback>
+        <mc:Fallback xmlns="">
           <p:sp>
             <p:nvSpPr>
               <p:cNvPr id="29" name="文本框 28">
@@ -4150,8 +4154,8 @@
           </a:p>
         </p:txBody>
       </p:sp>
-      <mc:AlternateContent xmlns:mc="http://schemas.openxmlformats.org/markup-compatibility/2006">
-        <mc:Choice xmlns:a14="http://schemas.microsoft.com/office/drawing/2010/main" Requires="a14">
+      <mc:AlternateContent xmlns:mc="http://schemas.openxmlformats.org/markup-compatibility/2006" xmlns:a14="http://schemas.microsoft.com/office/drawing/2010/main">
+        <mc:Choice Requires="a14">
           <p:sp>
             <p:nvSpPr>
               <p:cNvPr id="31" name="文本框 30">
@@ -4180,6 +4184,7 @@
               </a:bodyPr>
               <a:lstStyle/>
               <a:p>
+                <a:pPr/>
                 <a14:m>
                   <m:oMathPara xmlns:m="http://schemas.openxmlformats.org/officeDocument/2006/math">
                     <m:oMathParaPr>
@@ -4225,7 +4230,7 @@
             </p:txBody>
           </p:sp>
         </mc:Choice>
-        <mc:Fallback>
+        <mc:Fallback xmlns="">
           <p:sp>
             <p:nvSpPr>
               <p:cNvPr id="31" name="文本框 30">
@@ -4270,8 +4275,8 @@
           </p:sp>
         </mc:Fallback>
       </mc:AlternateContent>
-      <mc:AlternateContent xmlns:mc="http://schemas.openxmlformats.org/markup-compatibility/2006">
-        <mc:Choice xmlns:a14="http://schemas.microsoft.com/office/drawing/2010/main" Requires="a14">
+      <mc:AlternateContent xmlns:mc="http://schemas.openxmlformats.org/markup-compatibility/2006" xmlns:a14="http://schemas.microsoft.com/office/drawing/2010/main">
+        <mc:Choice Requires="a14">
           <p:sp>
             <p:nvSpPr>
               <p:cNvPr id="32" name="文本框 31">
@@ -4300,6 +4305,7 @@
               </a:bodyPr>
               <a:lstStyle/>
               <a:p>
+                <a:pPr/>
                 <a14:m>
                   <m:oMathPara xmlns:m="http://schemas.openxmlformats.org/officeDocument/2006/math">
                     <m:oMathParaPr>
@@ -4345,7 +4351,7 @@
             </p:txBody>
           </p:sp>
         </mc:Choice>
-        <mc:Fallback>
+        <mc:Fallback xmlns="">
           <p:sp>
             <p:nvSpPr>
               <p:cNvPr id="32" name="文本框 31">
@@ -4711,8 +4717,8 @@
           </a:fontRef>
         </p:style>
       </p:cxnSp>
-      <mc:AlternateContent xmlns:mc="http://schemas.openxmlformats.org/markup-compatibility/2006">
-        <mc:Choice xmlns:a14="http://schemas.microsoft.com/office/drawing/2010/main" Requires="a14">
+      <mc:AlternateContent xmlns:mc="http://schemas.openxmlformats.org/markup-compatibility/2006" xmlns:a14="http://schemas.microsoft.com/office/drawing/2010/main">
+        <mc:Choice Requires="a14">
           <p:sp>
             <p:nvSpPr>
               <p:cNvPr id="41" name="文本框 40">
@@ -4741,6 +4747,7 @@
               </a:bodyPr>
               <a:lstStyle/>
               <a:p>
+                <a:pPr/>
                 <a14:m>
                   <m:oMathPara xmlns:m="http://schemas.openxmlformats.org/officeDocument/2006/math">
                     <m:oMathParaPr>
@@ -4780,7 +4787,7 @@
             </p:txBody>
           </p:sp>
         </mc:Choice>
-        <mc:Fallback>
+        <mc:Fallback xmlns="">
           <p:sp>
             <p:nvSpPr>
               <p:cNvPr id="41" name="文本框 40">
@@ -4825,8 +4832,8 @@
           </p:sp>
         </mc:Fallback>
       </mc:AlternateContent>
-      <mc:AlternateContent xmlns:mc="http://schemas.openxmlformats.org/markup-compatibility/2006">
-        <mc:Choice xmlns:a14="http://schemas.microsoft.com/office/drawing/2010/main" Requires="a14">
+      <mc:AlternateContent xmlns:mc="http://schemas.openxmlformats.org/markup-compatibility/2006" xmlns:a14="http://schemas.microsoft.com/office/drawing/2010/main">
+        <mc:Choice Requires="a14">
           <p:sp>
             <p:nvSpPr>
               <p:cNvPr id="42" name="文本框 41">
@@ -4855,6 +4862,7 @@
               </a:bodyPr>
               <a:lstStyle/>
               <a:p>
+                <a:pPr/>
                 <a14:m>
                   <m:oMathPara xmlns:m="http://schemas.openxmlformats.org/officeDocument/2006/math">
                     <m:oMathParaPr>
@@ -4894,7 +4902,7 @@
             </p:txBody>
           </p:sp>
         </mc:Choice>
-        <mc:Fallback>
+        <mc:Fallback xmlns="">
           <p:sp>
             <p:nvSpPr>
               <p:cNvPr id="42" name="文本框 41">
@@ -4939,8 +4947,8 @@
           </p:sp>
         </mc:Fallback>
       </mc:AlternateContent>
-      <mc:AlternateContent xmlns:mc="http://schemas.openxmlformats.org/markup-compatibility/2006">
-        <mc:Choice xmlns:a14="http://schemas.microsoft.com/office/drawing/2010/main" Requires="a14">
+      <mc:AlternateContent xmlns:mc="http://schemas.openxmlformats.org/markup-compatibility/2006" xmlns:a14="http://schemas.microsoft.com/office/drawing/2010/main">
+        <mc:Choice Requires="a14">
           <p:sp>
             <p:nvSpPr>
               <p:cNvPr id="43" name="文本框 42">
@@ -4969,6 +4977,7 @@
               </a:bodyPr>
               <a:lstStyle/>
               <a:p>
+                <a:pPr/>
                 <a14:m>
                   <m:oMathPara xmlns:m="http://schemas.openxmlformats.org/officeDocument/2006/math">
                     <m:oMathParaPr>
@@ -5008,7 +5017,7 @@
             </p:txBody>
           </p:sp>
         </mc:Choice>
-        <mc:Fallback>
+        <mc:Fallback xmlns="">
           <p:sp>
             <p:nvSpPr>
               <p:cNvPr id="43" name="文本框 42">
@@ -5053,8 +5062,8 @@
           </p:sp>
         </mc:Fallback>
       </mc:AlternateContent>
-      <mc:AlternateContent xmlns:mc="http://schemas.openxmlformats.org/markup-compatibility/2006">
-        <mc:Choice xmlns:a14="http://schemas.microsoft.com/office/drawing/2010/main" Requires="a14">
+      <mc:AlternateContent xmlns:mc="http://schemas.openxmlformats.org/markup-compatibility/2006" xmlns:a14="http://schemas.microsoft.com/office/drawing/2010/main">
+        <mc:Choice Requires="a14">
           <p:sp>
             <p:nvSpPr>
               <p:cNvPr id="44" name="文本框 43">
@@ -5083,6 +5092,7 @@
               </a:bodyPr>
               <a:lstStyle/>
               <a:p>
+                <a:pPr/>
                 <a14:m>
                   <m:oMathPara xmlns:m="http://schemas.openxmlformats.org/officeDocument/2006/math">
                     <m:oMathParaPr>
@@ -5122,7 +5132,7 @@
             </p:txBody>
           </p:sp>
         </mc:Choice>
-        <mc:Fallback>
+        <mc:Fallback xmlns="">
           <p:sp>
             <p:nvSpPr>
               <p:cNvPr id="44" name="文本框 43">
@@ -5203,8 +5213,8 @@
           </a:p>
         </p:txBody>
       </p:sp>
-      <mc:AlternateContent xmlns:mc="http://schemas.openxmlformats.org/markup-compatibility/2006">
-        <mc:Choice xmlns:a14="http://schemas.microsoft.com/office/drawing/2010/main" Requires="a14">
+      <mc:AlternateContent xmlns:mc="http://schemas.openxmlformats.org/markup-compatibility/2006" xmlns:a14="http://schemas.microsoft.com/office/drawing/2010/main">
+        <mc:Choice Requires="a14">
           <p:sp>
             <p:nvSpPr>
               <p:cNvPr id="46" name="文本框 45">
@@ -5233,6 +5243,7 @@
               </a:bodyPr>
               <a:lstStyle/>
               <a:p>
+                <a:pPr/>
                 <a14:m>
                   <m:oMathPara xmlns:m="http://schemas.openxmlformats.org/officeDocument/2006/math">
                     <m:oMathParaPr>
@@ -5278,7 +5289,7 @@
             </p:txBody>
           </p:sp>
         </mc:Choice>
-        <mc:Fallback>
+        <mc:Fallback xmlns="">
           <p:sp>
             <p:nvSpPr>
               <p:cNvPr id="46" name="文本框 45">
@@ -5323,8 +5334,8 @@
           </p:sp>
         </mc:Fallback>
       </mc:AlternateContent>
-      <mc:AlternateContent xmlns:mc="http://schemas.openxmlformats.org/markup-compatibility/2006">
-        <mc:Choice xmlns:a14="http://schemas.microsoft.com/office/drawing/2010/main" Requires="a14">
+      <mc:AlternateContent xmlns:mc="http://schemas.openxmlformats.org/markup-compatibility/2006" xmlns:a14="http://schemas.microsoft.com/office/drawing/2010/main">
+        <mc:Choice Requires="a14">
           <p:sp>
             <p:nvSpPr>
               <p:cNvPr id="47" name="文本框 46">
@@ -5353,6 +5364,7 @@
               </a:bodyPr>
               <a:lstStyle/>
               <a:p>
+                <a:pPr/>
                 <a14:m>
                   <m:oMathPara xmlns:m="http://schemas.openxmlformats.org/officeDocument/2006/math">
                     <m:oMathParaPr>
@@ -5398,7 +5410,7 @@
             </p:txBody>
           </p:sp>
         </mc:Choice>
-        <mc:Fallback>
+        <mc:Fallback xmlns="">
           <p:sp>
             <p:nvSpPr>
               <p:cNvPr id="47" name="文本框 46">
@@ -5703,6 +5715,7 @@
               </a:bodyPr>
               <a:lstStyle/>
               <a:p>
+                <a:pPr/>
                 <a14:m>
                   <m:oMathPara xmlns:m="http://schemas.openxmlformats.org/officeDocument/2006/math">
                     <m:oMathParaPr>
@@ -5783,14 +5796,20 @@
                                   </m:r>
                                 </m:sub>
                               </m:sSub>
-                              <m:r>
-                                <a:rPr lang="en-US" altLang="zh-CN" sz="1100" b="0" i="1" smtClean="0">
-                                  <a:latin typeface="Cambria Math" panose="02040503050406030204" pitchFamily="18" charset="0"/>
-                                </a:rPr>
-                                <m:t>−1</m:t>
-                              </m:r>
                             </m:sup>
                           </m:sSup>
+                          <m:r>
+                            <a:rPr lang="en-US" altLang="zh-CN" sz="1100" i="1">
+                              <a:latin typeface="Cambria Math" panose="02040503050406030204" pitchFamily="18" charset="0"/>
+                            </a:rPr>
+                            <m:t>-</m:t>
+                          </m:r>
+                          <m:r>
+                            <a:rPr lang="en-US" altLang="zh-CN" sz="1100" b="0" i="1" smtClean="0">
+                              <a:latin typeface="Cambria Math" panose="02040503050406030204" pitchFamily="18" charset="0"/>
+                            </a:rPr>
+                            <m:t>1</m:t>
+                          </m:r>
                         </m:sup>
                       </m:sSup>
                     </m:oMath>
@@ -5846,8 +5865,8 @@
           </p:sp>
         </mc:Fallback>
       </mc:AlternateContent>
-      <mc:AlternateContent xmlns:mc="http://schemas.openxmlformats.org/markup-compatibility/2006">
-        <mc:Choice xmlns:a14="http://schemas.microsoft.com/office/drawing/2010/main" Requires="a14">
+      <mc:AlternateContent xmlns:mc="http://schemas.openxmlformats.org/markup-compatibility/2006" xmlns:a14="http://schemas.microsoft.com/office/drawing/2010/main">
+        <mc:Choice Requires="a14">
           <p:sp>
             <p:nvSpPr>
               <p:cNvPr id="71" name="文本框 70">
@@ -5876,6 +5895,7 @@
               </a:bodyPr>
               <a:lstStyle/>
               <a:p>
+                <a:pPr/>
                 <a14:m>
                   <m:oMathPara xmlns:m="http://schemas.openxmlformats.org/officeDocument/2006/math">
                     <m:oMathParaPr>
@@ -5930,7 +5950,7 @@
             </p:txBody>
           </p:sp>
         </mc:Choice>
-        <mc:Fallback>
+        <mc:Fallback xmlns="">
           <p:sp>
             <p:nvSpPr>
               <p:cNvPr id="71" name="文本框 70">
@@ -5975,8 +5995,8 @@
           </p:sp>
         </mc:Fallback>
       </mc:AlternateContent>
-      <mc:AlternateContent xmlns:mc="http://schemas.openxmlformats.org/markup-compatibility/2006">
-        <mc:Choice xmlns:a14="http://schemas.microsoft.com/office/drawing/2010/main" Requires="a14">
+      <mc:AlternateContent xmlns:mc="http://schemas.openxmlformats.org/markup-compatibility/2006" xmlns:a14="http://schemas.microsoft.com/office/drawing/2010/main">
+        <mc:Choice Requires="a14">
           <p:sp>
             <p:nvSpPr>
               <p:cNvPr id="72" name="文本框 71">
@@ -6005,6 +6025,7 @@
               </a:bodyPr>
               <a:lstStyle/>
               <a:p>
+                <a:pPr/>
                 <a14:m>
                   <m:oMathPara xmlns:m="http://schemas.openxmlformats.org/officeDocument/2006/math">
                     <m:oMathParaPr>
@@ -6059,7 +6080,7 @@
             </p:txBody>
           </p:sp>
         </mc:Choice>
-        <mc:Fallback>
+        <mc:Fallback xmlns="">
           <p:sp>
             <p:nvSpPr>
               <p:cNvPr id="72" name="文本框 71">

--- a/pictures/BIOP_DataStructure.pptx
+++ b/pictures/BIOP_DataStructure.pptx
@@ -6,6 +6,7 @@
   </p:sldMasterIdLst>
   <p:sldIdLst>
     <p:sldId id="256" r:id="rId2"/>
+    <p:sldId id="257" r:id="rId3"/>
   </p:sldIdLst>
   <p:sldSz cx="12192000" cy="6858000"/>
   <p:notesSz cx="6858000" cy="9144000"/>
@@ -270,7 +271,7 @@
           <a:p>
             <a:fld id="{E311178C-B808-418C-AE75-F157483FF213}" type="datetimeFigureOut">
               <a:rPr lang="zh-CN" altLang="en-US" smtClean="0"/>
-              <a:t>2021/9/26</a:t>
+              <a:t>2021/10/29</a:t>
             </a:fld>
             <a:endParaRPr lang="zh-CN" altLang="en-US"/>
           </a:p>
@@ -468,7 +469,7 @@
           <a:p>
             <a:fld id="{E311178C-B808-418C-AE75-F157483FF213}" type="datetimeFigureOut">
               <a:rPr lang="zh-CN" altLang="en-US" smtClean="0"/>
-              <a:t>2021/9/26</a:t>
+              <a:t>2021/10/29</a:t>
             </a:fld>
             <a:endParaRPr lang="zh-CN" altLang="en-US"/>
           </a:p>
@@ -676,7 +677,7 @@
           <a:p>
             <a:fld id="{E311178C-B808-418C-AE75-F157483FF213}" type="datetimeFigureOut">
               <a:rPr lang="zh-CN" altLang="en-US" smtClean="0"/>
-              <a:t>2021/9/26</a:t>
+              <a:t>2021/10/29</a:t>
             </a:fld>
             <a:endParaRPr lang="zh-CN" altLang="en-US"/>
           </a:p>
@@ -874,7 +875,7 @@
           <a:p>
             <a:fld id="{E311178C-B808-418C-AE75-F157483FF213}" type="datetimeFigureOut">
               <a:rPr lang="zh-CN" altLang="en-US" smtClean="0"/>
-              <a:t>2021/9/26</a:t>
+              <a:t>2021/10/29</a:t>
             </a:fld>
             <a:endParaRPr lang="zh-CN" altLang="en-US"/>
           </a:p>
@@ -1149,7 +1150,7 @@
           <a:p>
             <a:fld id="{E311178C-B808-418C-AE75-F157483FF213}" type="datetimeFigureOut">
               <a:rPr lang="zh-CN" altLang="en-US" smtClean="0"/>
-              <a:t>2021/9/26</a:t>
+              <a:t>2021/10/29</a:t>
             </a:fld>
             <a:endParaRPr lang="zh-CN" altLang="en-US"/>
           </a:p>
@@ -1414,7 +1415,7 @@
           <a:p>
             <a:fld id="{E311178C-B808-418C-AE75-F157483FF213}" type="datetimeFigureOut">
               <a:rPr lang="zh-CN" altLang="en-US" smtClean="0"/>
-              <a:t>2021/9/26</a:t>
+              <a:t>2021/10/29</a:t>
             </a:fld>
             <a:endParaRPr lang="zh-CN" altLang="en-US"/>
           </a:p>
@@ -1826,7 +1827,7 @@
           <a:p>
             <a:fld id="{E311178C-B808-418C-AE75-F157483FF213}" type="datetimeFigureOut">
               <a:rPr lang="zh-CN" altLang="en-US" smtClean="0"/>
-              <a:t>2021/9/26</a:t>
+              <a:t>2021/10/29</a:t>
             </a:fld>
             <a:endParaRPr lang="zh-CN" altLang="en-US"/>
           </a:p>
@@ -1967,7 +1968,7 @@
           <a:p>
             <a:fld id="{E311178C-B808-418C-AE75-F157483FF213}" type="datetimeFigureOut">
               <a:rPr lang="zh-CN" altLang="en-US" smtClean="0"/>
-              <a:t>2021/9/26</a:t>
+              <a:t>2021/10/29</a:t>
             </a:fld>
             <a:endParaRPr lang="zh-CN" altLang="en-US"/>
           </a:p>
@@ -2080,7 +2081,7 @@
           <a:p>
             <a:fld id="{E311178C-B808-418C-AE75-F157483FF213}" type="datetimeFigureOut">
               <a:rPr lang="zh-CN" altLang="en-US" smtClean="0"/>
-              <a:t>2021/9/26</a:t>
+              <a:t>2021/10/29</a:t>
             </a:fld>
             <a:endParaRPr lang="zh-CN" altLang="en-US"/>
           </a:p>
@@ -2391,7 +2392,7 @@
           <a:p>
             <a:fld id="{E311178C-B808-418C-AE75-F157483FF213}" type="datetimeFigureOut">
               <a:rPr lang="zh-CN" altLang="en-US" smtClean="0"/>
-              <a:t>2021/9/26</a:t>
+              <a:t>2021/10/29</a:t>
             </a:fld>
             <a:endParaRPr lang="zh-CN" altLang="en-US"/>
           </a:p>
@@ -2679,7 +2680,7 @@
           <a:p>
             <a:fld id="{E311178C-B808-418C-AE75-F157483FF213}" type="datetimeFigureOut">
               <a:rPr lang="zh-CN" altLang="en-US" smtClean="0"/>
-              <a:t>2021/9/26</a:t>
+              <a:t>2021/10/29</a:t>
             </a:fld>
             <a:endParaRPr lang="zh-CN" altLang="en-US"/>
           </a:p>
@@ -2920,7 +2921,7 @@
           <a:p>
             <a:fld id="{E311178C-B808-418C-AE75-F157483FF213}" type="datetimeFigureOut">
               <a:rPr lang="zh-CN" altLang="en-US" smtClean="0"/>
-              <a:t>2021/9/26</a:t>
+              <a:t>2021/10/29</a:t>
             </a:fld>
             <a:endParaRPr lang="zh-CN" altLang="en-US"/>
           </a:p>
@@ -5685,8 +5686,8 @@
           </a:fontRef>
         </p:style>
       </p:cxnSp>
-      <mc:AlternateContent xmlns:mc="http://schemas.openxmlformats.org/markup-compatibility/2006">
-        <mc:Choice xmlns:a14="http://schemas.microsoft.com/office/drawing/2010/main" Requires="a14">
+      <mc:AlternateContent xmlns:mc="http://schemas.openxmlformats.org/markup-compatibility/2006" xmlns:a14="http://schemas.microsoft.com/office/drawing/2010/main">
+        <mc:Choice Requires="a14">
           <p:sp>
             <p:nvSpPr>
               <p:cNvPr id="70" name="文本框 69">
@@ -5802,7 +5803,7 @@
                             <a:rPr lang="en-US" altLang="zh-CN" sz="1100" i="1">
                               <a:latin typeface="Cambria Math" panose="02040503050406030204" pitchFamily="18" charset="0"/>
                             </a:rPr>
-                            <m:t>-</m:t>
+                            <m:t>−</m:t>
                           </m:r>
                           <m:r>
                             <a:rPr lang="en-US" altLang="zh-CN" sz="1100" b="0" i="1" smtClean="0">
@@ -5820,7 +5821,7 @@
             </p:txBody>
           </p:sp>
         </mc:Choice>
-        <mc:Fallback>
+        <mc:Fallback xmlns="">
           <p:sp>
             <p:nvSpPr>
               <p:cNvPr id="70" name="文本框 69">
@@ -5865,8 +5866,8 @@
           </p:sp>
         </mc:Fallback>
       </mc:AlternateContent>
-      <mc:AlternateContent xmlns:mc="http://schemas.openxmlformats.org/markup-compatibility/2006" xmlns:a14="http://schemas.microsoft.com/office/drawing/2010/main">
-        <mc:Choice Requires="a14">
+      <mc:AlternateContent xmlns:mc="http://schemas.openxmlformats.org/markup-compatibility/2006">
+        <mc:Choice xmlns:a14="http://schemas.microsoft.com/office/drawing/2010/main" Requires="a14">
           <p:sp>
             <p:nvSpPr>
               <p:cNvPr id="71" name="文本框 70">
@@ -5950,7 +5951,7 @@
             </p:txBody>
           </p:sp>
         </mc:Choice>
-        <mc:Fallback xmlns="">
+        <mc:Fallback>
           <p:sp>
             <p:nvSpPr>
               <p:cNvPr id="71" name="文本框 70">
@@ -6125,10 +6126,3812 @@
           </p:sp>
         </mc:Fallback>
       </mc:AlternateContent>
+      <mc:AlternateContent xmlns:mc="http://schemas.openxmlformats.org/markup-compatibility/2006">
+        <mc:Choice xmlns:a14="http://schemas.microsoft.com/office/drawing/2010/main" Requires="a14">
+          <p:sp>
+            <p:nvSpPr>
+              <p:cNvPr id="49" name="文本框 48">
+                <a:extLst>
+                  <a:ext uri="{FF2B5EF4-FFF2-40B4-BE49-F238E27FC236}">
+                    <a16:creationId xmlns:a16="http://schemas.microsoft.com/office/drawing/2014/main" id="{F3BC8194-6187-4EDF-9B8C-1B05E91EC5C9}"/>
+                  </a:ext>
+                </a:extLst>
+              </p:cNvPr>
+              <p:cNvSpPr txBox="1"/>
+              <p:nvPr/>
+            </p:nvSpPr>
+            <p:spPr>
+              <a:xfrm>
+                <a:off x="2207568" y="4691006"/>
+                <a:ext cx="6096000" cy="376513"/>
+              </a:xfrm>
+              <a:prstGeom prst="rect">
+                <a:avLst/>
+              </a:prstGeom>
+              <a:noFill/>
+            </p:spPr>
+            <p:txBody>
+              <a:bodyPr wrap="square">
+                <a:spAutoFit/>
+              </a:bodyPr>
+              <a:lstStyle/>
+              <a:p>
+                <a:pPr/>
+                <a14:m>
+                  <m:oMathPara xmlns:m="http://schemas.openxmlformats.org/officeDocument/2006/math">
+                    <m:oMathParaPr>
+                      <m:jc m:val="centerGroup"/>
+                    </m:oMathParaPr>
+                    <m:oMath xmlns:m="http://schemas.openxmlformats.org/officeDocument/2006/math">
+                      <m:sSubSup>
+                        <m:sSubSupPr>
+                          <m:ctrlPr>
+                            <a:rPr lang="en-US" altLang="zh-CN" sz="1800" b="0" i="1" smtClean="0">
+                              <a:latin typeface="Cambria Math" panose="02040503050406030204" pitchFamily="18" charset="0"/>
+                            </a:rPr>
+                          </m:ctrlPr>
+                        </m:sSubSupPr>
+                        <m:e>
+                          <m:r>
+                            <a:rPr lang="en-US" altLang="zh-CN" sz="1800" b="0" i="1" smtClean="0">
+                              <a:latin typeface="Cambria Math" panose="02040503050406030204" pitchFamily="18" charset="0"/>
+                            </a:rPr>
+                            <m:t>𝐵𝑖𝑡𝑠𝑒𝑡</m:t>
+                          </m:r>
+                        </m:e>
+                        <m:sub>
+                          <m:r>
+                            <a:rPr lang="en-US" altLang="zh-CN" sz="1800" b="0" i="1" smtClean="0">
+                              <a:latin typeface="Cambria Math" panose="02040503050406030204" pitchFamily="18" charset="0"/>
+                            </a:rPr>
+                            <m:t>0</m:t>
+                          </m:r>
+                        </m:sub>
+                        <m:sup>
+                          <m:r>
+                            <a:rPr lang="en-US" altLang="zh-CN" sz="1800" b="0" i="1" smtClean="0">
+                              <a:latin typeface="Cambria Math" panose="02040503050406030204" pitchFamily="18" charset="0"/>
+                            </a:rPr>
+                            <m:t>0</m:t>
+                          </m:r>
+                        </m:sup>
+                      </m:sSubSup>
+                    </m:oMath>
+                  </m:oMathPara>
+                </a14:m>
+                <a:endParaRPr lang="zh-CN" altLang="en-US" dirty="0"/>
+              </a:p>
+            </p:txBody>
+          </p:sp>
+        </mc:Choice>
+        <mc:Fallback>
+          <p:sp>
+            <p:nvSpPr>
+              <p:cNvPr id="49" name="文本框 48">
+                <a:extLst>
+                  <a:ext uri="{FF2B5EF4-FFF2-40B4-BE49-F238E27FC236}">
+                    <a16:creationId xmlns:a16="http://schemas.microsoft.com/office/drawing/2014/main" id="{F3BC8194-6187-4EDF-9B8C-1B05E91EC5C9}"/>
+                  </a:ext>
+                </a:extLst>
+              </p:cNvPr>
+              <p:cNvSpPr txBox="1">
+                <a:spLocks noRot="1" noChangeAspect="1" noMove="1" noResize="1" noEditPoints="1" noAdjustHandles="1" noChangeArrowheads="1" noChangeShapeType="1" noTextEdit="1"/>
+              </p:cNvSpPr>
+              <p:nvPr/>
+            </p:nvSpPr>
+            <p:spPr>
+              <a:xfrm>
+                <a:off x="2207568" y="4691006"/>
+                <a:ext cx="6096000" cy="376513"/>
+              </a:xfrm>
+              <a:prstGeom prst="rect">
+                <a:avLst/>
+              </a:prstGeom>
+              <a:blipFill>
+                <a:blip r:embed="rId18"/>
+                <a:stretch>
+                  <a:fillRect b="-1639"/>
+                </a:stretch>
+              </a:blipFill>
+            </p:spPr>
+            <p:txBody>
+              <a:bodyPr/>
+              <a:lstStyle/>
+              <a:p>
+                <a:r>
+                  <a:rPr lang="zh-CN" altLang="en-US">
+                    <a:noFill/>
+                  </a:rPr>
+                  <a:t> </a:t>
+                </a:r>
+              </a:p>
+            </p:txBody>
+          </p:sp>
+        </mc:Fallback>
+      </mc:AlternateContent>
+      <mc:AlternateContent xmlns:mc="http://schemas.openxmlformats.org/markup-compatibility/2006">
+        <mc:Choice xmlns:a14="http://schemas.microsoft.com/office/drawing/2010/main" Requires="a14">
+          <p:sp>
+            <p:nvSpPr>
+              <p:cNvPr id="50" name="文本框 49">
+                <a:extLst>
+                  <a:ext uri="{FF2B5EF4-FFF2-40B4-BE49-F238E27FC236}">
+                    <a16:creationId xmlns:a16="http://schemas.microsoft.com/office/drawing/2014/main" id="{FB28412C-73C7-4903-AAF0-1BDEA7E184BB}"/>
+                  </a:ext>
+                </a:extLst>
+              </p:cNvPr>
+              <p:cNvSpPr txBox="1"/>
+              <p:nvPr/>
+            </p:nvSpPr>
+            <p:spPr>
+              <a:xfrm>
+                <a:off x="2207568" y="5163418"/>
+                <a:ext cx="6096000" cy="376513"/>
+              </a:xfrm>
+              <a:prstGeom prst="rect">
+                <a:avLst/>
+              </a:prstGeom>
+              <a:noFill/>
+            </p:spPr>
+            <p:txBody>
+              <a:bodyPr wrap="square">
+                <a:spAutoFit/>
+              </a:bodyPr>
+              <a:lstStyle/>
+              <a:p>
+                <a:pPr/>
+                <a14:m>
+                  <m:oMathPara xmlns:m="http://schemas.openxmlformats.org/officeDocument/2006/math">
+                    <m:oMathParaPr>
+                      <m:jc m:val="centerGroup"/>
+                    </m:oMathParaPr>
+                    <m:oMath xmlns:m="http://schemas.openxmlformats.org/officeDocument/2006/math">
+                      <m:sSubSup>
+                        <m:sSubSupPr>
+                          <m:ctrlPr>
+                            <a:rPr lang="en-US" altLang="zh-CN" sz="1800" b="0" i="1" smtClean="0">
+                              <a:latin typeface="Cambria Math" panose="02040503050406030204" pitchFamily="18" charset="0"/>
+                            </a:rPr>
+                          </m:ctrlPr>
+                        </m:sSubSupPr>
+                        <m:e>
+                          <m:r>
+                            <a:rPr lang="en-US" altLang="zh-CN" sz="1800" b="0" i="1" smtClean="0">
+                              <a:latin typeface="Cambria Math" panose="02040503050406030204" pitchFamily="18" charset="0"/>
+                            </a:rPr>
+                            <m:t>𝐵𝑖𝑡𝑠𝑒𝑡</m:t>
+                          </m:r>
+                        </m:e>
+                        <m:sub>
+                          <m:r>
+                            <a:rPr lang="en-US" altLang="zh-CN" sz="1800" b="0" i="1" smtClean="0">
+                              <a:latin typeface="Cambria Math" panose="02040503050406030204" pitchFamily="18" charset="0"/>
+                            </a:rPr>
+                            <m:t>0</m:t>
+                          </m:r>
+                        </m:sub>
+                        <m:sup>
+                          <m:r>
+                            <a:rPr lang="en-US" altLang="zh-CN" sz="1800" b="0" i="1" smtClean="0">
+                              <a:latin typeface="Cambria Math" panose="02040503050406030204" pitchFamily="18" charset="0"/>
+                            </a:rPr>
+                            <m:t>1</m:t>
+                          </m:r>
+                        </m:sup>
+                      </m:sSubSup>
+                    </m:oMath>
+                  </m:oMathPara>
+                </a14:m>
+                <a:endParaRPr lang="zh-CN" altLang="en-US" dirty="0"/>
+              </a:p>
+            </p:txBody>
+          </p:sp>
+        </mc:Choice>
+        <mc:Fallback>
+          <p:sp>
+            <p:nvSpPr>
+              <p:cNvPr id="50" name="文本框 49">
+                <a:extLst>
+                  <a:ext uri="{FF2B5EF4-FFF2-40B4-BE49-F238E27FC236}">
+                    <a16:creationId xmlns:a16="http://schemas.microsoft.com/office/drawing/2014/main" id="{FB28412C-73C7-4903-AAF0-1BDEA7E184BB}"/>
+                  </a:ext>
+                </a:extLst>
+              </p:cNvPr>
+              <p:cNvSpPr txBox="1">
+                <a:spLocks noRot="1" noChangeAspect="1" noMove="1" noResize="1" noEditPoints="1" noAdjustHandles="1" noChangeArrowheads="1" noChangeShapeType="1" noTextEdit="1"/>
+              </p:cNvSpPr>
+              <p:nvPr/>
+            </p:nvSpPr>
+            <p:spPr>
+              <a:xfrm>
+                <a:off x="2207568" y="5163418"/>
+                <a:ext cx="6096000" cy="376513"/>
+              </a:xfrm>
+              <a:prstGeom prst="rect">
+                <a:avLst/>
+              </a:prstGeom>
+              <a:blipFill>
+                <a:blip r:embed="rId19"/>
+                <a:stretch>
+                  <a:fillRect/>
+                </a:stretch>
+              </a:blipFill>
+            </p:spPr>
+            <p:txBody>
+              <a:bodyPr/>
+              <a:lstStyle/>
+              <a:p>
+                <a:r>
+                  <a:rPr lang="zh-CN" altLang="en-US">
+                    <a:noFill/>
+                  </a:rPr>
+                  <a:t> </a:t>
+                </a:r>
+              </a:p>
+            </p:txBody>
+          </p:sp>
+        </mc:Fallback>
+      </mc:AlternateContent>
+      <mc:AlternateContent xmlns:mc="http://schemas.openxmlformats.org/markup-compatibility/2006">
+        <mc:Choice xmlns:a14="http://schemas.microsoft.com/office/drawing/2010/main" Requires="a14">
+          <p:sp>
+            <p:nvSpPr>
+              <p:cNvPr id="51" name="文本框 50">
+                <a:extLst>
+                  <a:ext uri="{FF2B5EF4-FFF2-40B4-BE49-F238E27FC236}">
+                    <a16:creationId xmlns:a16="http://schemas.microsoft.com/office/drawing/2014/main" id="{41283AA5-4ACD-4C9C-B645-0430CE51992C}"/>
+                  </a:ext>
+                </a:extLst>
+              </p:cNvPr>
+              <p:cNvSpPr txBox="1"/>
+              <p:nvPr/>
+            </p:nvSpPr>
+            <p:spPr>
+              <a:xfrm>
+                <a:off x="2207568" y="5587433"/>
+                <a:ext cx="6096000" cy="374783"/>
+              </a:xfrm>
+              <a:prstGeom prst="rect">
+                <a:avLst/>
+              </a:prstGeom>
+              <a:noFill/>
+            </p:spPr>
+            <p:txBody>
+              <a:bodyPr wrap="square">
+                <a:spAutoFit/>
+              </a:bodyPr>
+              <a:lstStyle/>
+              <a:p>
+                <a:pPr/>
+                <a14:m>
+                  <m:oMathPara xmlns:m="http://schemas.openxmlformats.org/officeDocument/2006/math">
+                    <m:oMathParaPr>
+                      <m:jc m:val="centerGroup"/>
+                    </m:oMathParaPr>
+                    <m:oMath xmlns:m="http://schemas.openxmlformats.org/officeDocument/2006/math">
+                      <m:sSubSup>
+                        <m:sSubSupPr>
+                          <m:ctrlPr>
+                            <a:rPr lang="en-US" altLang="zh-CN" sz="1800" b="0" i="1" smtClean="0">
+                              <a:latin typeface="Cambria Math" panose="02040503050406030204" pitchFamily="18" charset="0"/>
+                            </a:rPr>
+                          </m:ctrlPr>
+                        </m:sSubSupPr>
+                        <m:e>
+                          <m:r>
+                            <a:rPr lang="en-US" altLang="zh-CN" sz="1800" b="0" i="1" smtClean="0">
+                              <a:latin typeface="Cambria Math" panose="02040503050406030204" pitchFamily="18" charset="0"/>
+                            </a:rPr>
+                            <m:t>𝐵𝑖𝑡𝑠𝑒𝑡</m:t>
+                          </m:r>
+                        </m:e>
+                        <m:sub>
+                          <m:r>
+                            <a:rPr lang="en-US" altLang="zh-CN" sz="1800" b="0" i="1" smtClean="0">
+                              <a:latin typeface="Cambria Math" panose="02040503050406030204" pitchFamily="18" charset="0"/>
+                            </a:rPr>
+                            <m:t>0</m:t>
+                          </m:r>
+                        </m:sub>
+                        <m:sup>
+                          <m:r>
+                            <a:rPr lang="en-US" altLang="zh-CN" sz="1800" b="0" i="1" smtClean="0">
+                              <a:latin typeface="Cambria Math" panose="02040503050406030204" pitchFamily="18" charset="0"/>
+                            </a:rPr>
+                            <m:t>2</m:t>
+                          </m:r>
+                        </m:sup>
+                      </m:sSubSup>
+                    </m:oMath>
+                  </m:oMathPara>
+                </a14:m>
+                <a:endParaRPr lang="zh-CN" altLang="en-US" dirty="0"/>
+              </a:p>
+            </p:txBody>
+          </p:sp>
+        </mc:Choice>
+        <mc:Fallback>
+          <p:sp>
+            <p:nvSpPr>
+              <p:cNvPr id="51" name="文本框 50">
+                <a:extLst>
+                  <a:ext uri="{FF2B5EF4-FFF2-40B4-BE49-F238E27FC236}">
+                    <a16:creationId xmlns:a16="http://schemas.microsoft.com/office/drawing/2014/main" id="{41283AA5-4ACD-4C9C-B645-0430CE51992C}"/>
+                  </a:ext>
+                </a:extLst>
+              </p:cNvPr>
+              <p:cNvSpPr txBox="1">
+                <a:spLocks noRot="1" noChangeAspect="1" noMove="1" noResize="1" noEditPoints="1" noAdjustHandles="1" noChangeArrowheads="1" noChangeShapeType="1" noTextEdit="1"/>
+              </p:cNvSpPr>
+              <p:nvPr/>
+            </p:nvSpPr>
+            <p:spPr>
+              <a:xfrm>
+                <a:off x="2207568" y="5587433"/>
+                <a:ext cx="6096000" cy="374783"/>
+              </a:xfrm>
+              <a:prstGeom prst="rect">
+                <a:avLst/>
+              </a:prstGeom>
+              <a:blipFill>
+                <a:blip r:embed="rId20"/>
+                <a:stretch>
+                  <a:fillRect b="-1639"/>
+                </a:stretch>
+              </a:blipFill>
+            </p:spPr>
+            <p:txBody>
+              <a:bodyPr/>
+              <a:lstStyle/>
+              <a:p>
+                <a:r>
+                  <a:rPr lang="zh-CN" altLang="en-US">
+                    <a:noFill/>
+                  </a:rPr>
+                  <a:t> </a:t>
+                </a:r>
+              </a:p>
+            </p:txBody>
+          </p:sp>
+        </mc:Fallback>
+      </mc:AlternateContent>
+      <mc:AlternateContent xmlns:mc="http://schemas.openxmlformats.org/markup-compatibility/2006">
+        <mc:Choice xmlns:a14="http://schemas.microsoft.com/office/drawing/2010/main" Requires="a14">
+          <p:sp>
+            <p:nvSpPr>
+              <p:cNvPr id="52" name="文本框 51">
+                <a:extLst>
+                  <a:ext uri="{FF2B5EF4-FFF2-40B4-BE49-F238E27FC236}">
+                    <a16:creationId xmlns:a16="http://schemas.microsoft.com/office/drawing/2014/main" id="{580D25C9-3525-4CC2-829D-5A4EB1964D91}"/>
+                  </a:ext>
+                </a:extLst>
+              </p:cNvPr>
+              <p:cNvSpPr txBox="1"/>
+              <p:nvPr/>
+            </p:nvSpPr>
+            <p:spPr>
+              <a:xfrm>
+                <a:off x="2207568" y="5992676"/>
+                <a:ext cx="6096000" cy="376193"/>
+              </a:xfrm>
+              <a:prstGeom prst="rect">
+                <a:avLst/>
+              </a:prstGeom>
+              <a:noFill/>
+            </p:spPr>
+            <p:txBody>
+              <a:bodyPr wrap="square">
+                <a:spAutoFit/>
+              </a:bodyPr>
+              <a:lstStyle/>
+              <a:p>
+                <a:pPr/>
+                <a14:m>
+                  <m:oMathPara xmlns:m="http://schemas.openxmlformats.org/officeDocument/2006/math">
+                    <m:oMathParaPr>
+                      <m:jc m:val="centerGroup"/>
+                    </m:oMathParaPr>
+                    <m:oMath xmlns:m="http://schemas.openxmlformats.org/officeDocument/2006/math">
+                      <m:sSubSup>
+                        <m:sSubSupPr>
+                          <m:ctrlPr>
+                            <a:rPr lang="en-US" altLang="zh-CN" sz="1800" b="0" i="1" smtClean="0">
+                              <a:latin typeface="Cambria Math" panose="02040503050406030204" pitchFamily="18" charset="0"/>
+                            </a:rPr>
+                          </m:ctrlPr>
+                        </m:sSubSupPr>
+                        <m:e>
+                          <m:r>
+                            <a:rPr lang="en-US" altLang="zh-CN" sz="1800" b="0" i="1" smtClean="0">
+                              <a:latin typeface="Cambria Math" panose="02040503050406030204" pitchFamily="18" charset="0"/>
+                            </a:rPr>
+                            <m:t>𝐵𝑖𝑡𝑠𝑒𝑡</m:t>
+                          </m:r>
+                        </m:e>
+                        <m:sub>
+                          <m:r>
+                            <a:rPr lang="en-US" altLang="zh-CN" sz="1800" b="0" i="1" smtClean="0">
+                              <a:latin typeface="Cambria Math" panose="02040503050406030204" pitchFamily="18" charset="0"/>
+                            </a:rPr>
+                            <m:t>0</m:t>
+                          </m:r>
+                        </m:sub>
+                        <m:sup>
+                          <m:r>
+                            <a:rPr lang="en-US" altLang="zh-CN" sz="1800" b="0" i="1" smtClean="0">
+                              <a:latin typeface="Cambria Math" panose="02040503050406030204" pitchFamily="18" charset="0"/>
+                            </a:rPr>
+                            <m:t>3</m:t>
+                          </m:r>
+                        </m:sup>
+                      </m:sSubSup>
+                    </m:oMath>
+                  </m:oMathPara>
+                </a14:m>
+                <a:endParaRPr lang="zh-CN" altLang="en-US" dirty="0"/>
+              </a:p>
+            </p:txBody>
+          </p:sp>
+        </mc:Choice>
+        <mc:Fallback>
+          <p:sp>
+            <p:nvSpPr>
+              <p:cNvPr id="52" name="文本框 51">
+                <a:extLst>
+                  <a:ext uri="{FF2B5EF4-FFF2-40B4-BE49-F238E27FC236}">
+                    <a16:creationId xmlns:a16="http://schemas.microsoft.com/office/drawing/2014/main" id="{580D25C9-3525-4CC2-829D-5A4EB1964D91}"/>
+                  </a:ext>
+                </a:extLst>
+              </p:cNvPr>
+              <p:cNvSpPr txBox="1">
+                <a:spLocks noRot="1" noChangeAspect="1" noMove="1" noResize="1" noEditPoints="1" noAdjustHandles="1" noChangeArrowheads="1" noChangeShapeType="1" noTextEdit="1"/>
+              </p:cNvSpPr>
+              <p:nvPr/>
+            </p:nvSpPr>
+            <p:spPr>
+              <a:xfrm>
+                <a:off x="2207568" y="5992676"/>
+                <a:ext cx="6096000" cy="376193"/>
+              </a:xfrm>
+              <a:prstGeom prst="rect">
+                <a:avLst/>
+              </a:prstGeom>
+              <a:blipFill>
+                <a:blip r:embed="rId21"/>
+                <a:stretch>
+                  <a:fillRect/>
+                </a:stretch>
+              </a:blipFill>
+            </p:spPr>
+            <p:txBody>
+              <a:bodyPr/>
+              <a:lstStyle/>
+              <a:p>
+                <a:r>
+                  <a:rPr lang="zh-CN" altLang="en-US">
+                    <a:noFill/>
+                  </a:rPr>
+                  <a:t> </a:t>
+                </a:r>
+              </a:p>
+            </p:txBody>
+          </p:sp>
+        </mc:Fallback>
+      </mc:AlternateContent>
     </p:spTree>
     <p:extLst>
       <p:ext uri="{BB962C8B-B14F-4D97-AF65-F5344CB8AC3E}">
         <p14:creationId xmlns:p14="http://schemas.microsoft.com/office/powerpoint/2010/main" val="3678552333"/>
+      </p:ext>
+    </p:extLst>
+  </p:cSld>
+  <p:clrMapOvr>
+    <a:masterClrMapping/>
+  </p:clrMapOvr>
+</p:sld>
+</file>
+
+<file path=ppt/slides/slide2.xml><?xml version="1.0" encoding="utf-8"?>
+<p:sld xmlns:a="http://schemas.openxmlformats.org/drawingml/2006/main" xmlns:r="http://schemas.openxmlformats.org/officeDocument/2006/relationships" xmlns:p="http://schemas.openxmlformats.org/presentationml/2006/main">
+  <p:cSld>
+    <p:spTree>
+      <p:nvGrpSpPr>
+        <p:cNvPr id="1" name=""/>
+        <p:cNvGrpSpPr/>
+        <p:nvPr/>
+      </p:nvGrpSpPr>
+      <p:grpSpPr>
+        <a:xfrm>
+          <a:off x="0" y="0"/>
+          <a:ext cx="0" cy="0"/>
+          <a:chOff x="0" y="0"/>
+          <a:chExt cx="0" cy="0"/>
+        </a:xfrm>
+      </p:grpSpPr>
+      <p:sp>
+        <p:nvSpPr>
+          <p:cNvPr id="12" name="流程图: 过程 11">
+            <a:extLst>
+              <a:ext uri="{FF2B5EF4-FFF2-40B4-BE49-F238E27FC236}">
+                <a16:creationId xmlns:a16="http://schemas.microsoft.com/office/drawing/2014/main" id="{DD546B39-E96B-4355-9B2D-3767F921A2E5}"/>
+              </a:ext>
+            </a:extLst>
+          </p:cNvPr>
+          <p:cNvSpPr>
+            <a:spLocks/>
+          </p:cNvSpPr>
+          <p:nvPr/>
+        </p:nvSpPr>
+        <p:spPr>
+          <a:xfrm>
+            <a:off x="3143672" y="1141168"/>
+            <a:ext cx="3600000" cy="360000"/>
+          </a:xfrm>
+          <a:prstGeom prst="flowChartProcess">
+            <a:avLst/>
+          </a:prstGeom>
+          <a:noFill/>
+          <a:ln>
+            <a:solidFill>
+              <a:schemeClr val="accent1"/>
+            </a:solidFill>
+          </a:ln>
+        </p:spPr>
+        <p:style>
+          <a:lnRef idx="2">
+            <a:schemeClr val="accent1">
+              <a:shade val="50000"/>
+            </a:schemeClr>
+          </a:lnRef>
+          <a:fillRef idx="1">
+            <a:schemeClr val="accent1"/>
+          </a:fillRef>
+          <a:effectRef idx="0">
+            <a:schemeClr val="accent1"/>
+          </a:effectRef>
+          <a:fontRef idx="minor">
+            <a:schemeClr val="lt1"/>
+          </a:fontRef>
+        </p:style>
+        <p:txBody>
+          <a:bodyPr rtlCol="0" anchor="ctr"/>
+          <a:lstStyle/>
+          <a:p>
+            <a:r>
+              <a:rPr lang="en-US" altLang="zh-CN" sz="1100" dirty="0">
+                <a:solidFill>
+                  <a:schemeClr val="tx1"/>
+                </a:solidFill>
+              </a:rPr>
+              <a:t>Low Bucket List</a:t>
+            </a:r>
+            <a:endParaRPr lang="zh-CN" altLang="en-US" sz="1100" dirty="0">
+              <a:solidFill>
+                <a:schemeClr val="tx1"/>
+              </a:solidFill>
+            </a:endParaRPr>
+          </a:p>
+        </p:txBody>
+      </p:sp>
+      <p:cxnSp>
+        <p:nvCxnSpPr>
+          <p:cNvPr id="16" name="直接连接符 15">
+            <a:extLst>
+              <a:ext uri="{FF2B5EF4-FFF2-40B4-BE49-F238E27FC236}">
+                <a16:creationId xmlns:a16="http://schemas.microsoft.com/office/drawing/2014/main" id="{8F8E58D0-BAEC-4B82-BC53-FF57BAB57769}"/>
+              </a:ext>
+            </a:extLst>
+          </p:cNvPr>
+          <p:cNvCxnSpPr>
+            <a:cxnSpLocks/>
+          </p:cNvCxnSpPr>
+          <p:nvPr/>
+        </p:nvCxnSpPr>
+        <p:spPr>
+          <a:xfrm flipV="1">
+            <a:off x="4223792" y="1141168"/>
+            <a:ext cx="0" cy="360000"/>
+          </a:xfrm>
+          <a:prstGeom prst="line">
+            <a:avLst/>
+          </a:prstGeom>
+        </p:spPr>
+        <p:style>
+          <a:lnRef idx="1">
+            <a:schemeClr val="accent1"/>
+          </a:lnRef>
+          <a:fillRef idx="0">
+            <a:schemeClr val="accent1"/>
+          </a:fillRef>
+          <a:effectRef idx="0">
+            <a:schemeClr val="accent1"/>
+          </a:effectRef>
+          <a:fontRef idx="minor">
+            <a:schemeClr val="tx1"/>
+          </a:fontRef>
+        </p:style>
+      </p:cxnSp>
+      <p:cxnSp>
+        <p:nvCxnSpPr>
+          <p:cNvPr id="19" name="直接连接符 18">
+            <a:extLst>
+              <a:ext uri="{FF2B5EF4-FFF2-40B4-BE49-F238E27FC236}">
+                <a16:creationId xmlns:a16="http://schemas.microsoft.com/office/drawing/2014/main" id="{075A2813-A28F-42A2-A51A-DFB684A2087B}"/>
+              </a:ext>
+            </a:extLst>
+          </p:cNvPr>
+          <p:cNvCxnSpPr/>
+          <p:nvPr/>
+        </p:nvCxnSpPr>
+        <p:spPr>
+          <a:xfrm>
+            <a:off x="4583832" y="1141168"/>
+            <a:ext cx="0" cy="360000"/>
+          </a:xfrm>
+          <a:prstGeom prst="line">
+            <a:avLst/>
+          </a:prstGeom>
+        </p:spPr>
+        <p:style>
+          <a:lnRef idx="1">
+            <a:schemeClr val="accent1"/>
+          </a:lnRef>
+          <a:fillRef idx="0">
+            <a:schemeClr val="accent1"/>
+          </a:fillRef>
+          <a:effectRef idx="0">
+            <a:schemeClr val="accent1"/>
+          </a:effectRef>
+          <a:fontRef idx="minor">
+            <a:schemeClr val="tx1"/>
+          </a:fontRef>
+        </p:style>
+      </p:cxnSp>
+      <p:cxnSp>
+        <p:nvCxnSpPr>
+          <p:cNvPr id="20" name="直接连接符 19">
+            <a:extLst>
+              <a:ext uri="{FF2B5EF4-FFF2-40B4-BE49-F238E27FC236}">
+                <a16:creationId xmlns:a16="http://schemas.microsoft.com/office/drawing/2014/main" id="{5E56FE52-81B1-40CA-BE16-50622850641C}"/>
+              </a:ext>
+            </a:extLst>
+          </p:cNvPr>
+          <p:cNvCxnSpPr/>
+          <p:nvPr/>
+        </p:nvCxnSpPr>
+        <p:spPr>
+          <a:xfrm>
+            <a:off x="4942472" y="1141034"/>
+            <a:ext cx="0" cy="360000"/>
+          </a:xfrm>
+          <a:prstGeom prst="line">
+            <a:avLst/>
+          </a:prstGeom>
+        </p:spPr>
+        <p:style>
+          <a:lnRef idx="1">
+            <a:schemeClr val="accent1"/>
+          </a:lnRef>
+          <a:fillRef idx="0">
+            <a:schemeClr val="accent1"/>
+          </a:fillRef>
+          <a:effectRef idx="0">
+            <a:schemeClr val="accent1"/>
+          </a:effectRef>
+          <a:fontRef idx="minor">
+            <a:schemeClr val="tx1"/>
+          </a:fontRef>
+        </p:style>
+      </p:cxnSp>
+      <p:cxnSp>
+        <p:nvCxnSpPr>
+          <p:cNvPr id="21" name="直接连接符 20">
+            <a:extLst>
+              <a:ext uri="{FF2B5EF4-FFF2-40B4-BE49-F238E27FC236}">
+                <a16:creationId xmlns:a16="http://schemas.microsoft.com/office/drawing/2014/main" id="{DBC22FBA-AC46-418F-B650-BC1704BFE817}"/>
+              </a:ext>
+            </a:extLst>
+          </p:cNvPr>
+          <p:cNvCxnSpPr>
+            <a:cxnSpLocks/>
+          </p:cNvCxnSpPr>
+          <p:nvPr/>
+        </p:nvCxnSpPr>
+        <p:spPr>
+          <a:xfrm flipV="1">
+            <a:off x="5302472" y="1141168"/>
+            <a:ext cx="0" cy="360000"/>
+          </a:xfrm>
+          <a:prstGeom prst="line">
+            <a:avLst/>
+          </a:prstGeom>
+        </p:spPr>
+        <p:style>
+          <a:lnRef idx="1">
+            <a:schemeClr val="accent1"/>
+          </a:lnRef>
+          <a:fillRef idx="0">
+            <a:schemeClr val="accent1"/>
+          </a:fillRef>
+          <a:effectRef idx="0">
+            <a:schemeClr val="accent1"/>
+          </a:effectRef>
+          <a:fontRef idx="minor">
+            <a:schemeClr val="tx1"/>
+          </a:fontRef>
+        </p:style>
+      </p:cxnSp>
+      <p:cxnSp>
+        <p:nvCxnSpPr>
+          <p:cNvPr id="22" name="直接连接符 21">
+            <a:extLst>
+              <a:ext uri="{FF2B5EF4-FFF2-40B4-BE49-F238E27FC236}">
+                <a16:creationId xmlns:a16="http://schemas.microsoft.com/office/drawing/2014/main" id="{FBD80BB9-CA52-468A-B6A0-8CD1D39741DB}"/>
+              </a:ext>
+            </a:extLst>
+          </p:cNvPr>
+          <p:cNvCxnSpPr/>
+          <p:nvPr/>
+        </p:nvCxnSpPr>
+        <p:spPr>
+          <a:xfrm>
+            <a:off x="5662472" y="1141168"/>
+            <a:ext cx="0" cy="360000"/>
+          </a:xfrm>
+          <a:prstGeom prst="line">
+            <a:avLst/>
+          </a:prstGeom>
+        </p:spPr>
+        <p:style>
+          <a:lnRef idx="1">
+            <a:schemeClr val="accent1"/>
+          </a:lnRef>
+          <a:fillRef idx="0">
+            <a:schemeClr val="accent1"/>
+          </a:fillRef>
+          <a:effectRef idx="0">
+            <a:schemeClr val="accent1"/>
+          </a:effectRef>
+          <a:fontRef idx="minor">
+            <a:schemeClr val="tx1"/>
+          </a:fontRef>
+        </p:style>
+      </p:cxnSp>
+      <p:cxnSp>
+        <p:nvCxnSpPr>
+          <p:cNvPr id="23" name="直接连接符 22">
+            <a:extLst>
+              <a:ext uri="{FF2B5EF4-FFF2-40B4-BE49-F238E27FC236}">
+                <a16:creationId xmlns:a16="http://schemas.microsoft.com/office/drawing/2014/main" id="{8BB9ED04-83EE-4260-8BAC-84D1E5CF5C21}"/>
+              </a:ext>
+            </a:extLst>
+          </p:cNvPr>
+          <p:cNvCxnSpPr/>
+          <p:nvPr/>
+        </p:nvCxnSpPr>
+        <p:spPr>
+          <a:xfrm>
+            <a:off x="6023992" y="1141034"/>
+            <a:ext cx="0" cy="360000"/>
+          </a:xfrm>
+          <a:prstGeom prst="line">
+            <a:avLst/>
+          </a:prstGeom>
+        </p:spPr>
+        <p:style>
+          <a:lnRef idx="1">
+            <a:schemeClr val="accent1"/>
+          </a:lnRef>
+          <a:fillRef idx="0">
+            <a:schemeClr val="accent1"/>
+          </a:fillRef>
+          <a:effectRef idx="0">
+            <a:schemeClr val="accent1"/>
+          </a:effectRef>
+          <a:fontRef idx="minor">
+            <a:schemeClr val="tx1"/>
+          </a:fontRef>
+        </p:style>
+      </p:cxnSp>
+      <p:cxnSp>
+        <p:nvCxnSpPr>
+          <p:cNvPr id="24" name="直接连接符 23">
+            <a:extLst>
+              <a:ext uri="{FF2B5EF4-FFF2-40B4-BE49-F238E27FC236}">
+                <a16:creationId xmlns:a16="http://schemas.microsoft.com/office/drawing/2014/main" id="{2D1938C6-C5D5-4984-B9B1-8BF2B3F384ED}"/>
+              </a:ext>
+            </a:extLst>
+          </p:cNvPr>
+          <p:cNvCxnSpPr/>
+          <p:nvPr/>
+        </p:nvCxnSpPr>
+        <p:spPr>
+          <a:xfrm>
+            <a:off x="6382472" y="1141034"/>
+            <a:ext cx="0" cy="360000"/>
+          </a:xfrm>
+          <a:prstGeom prst="line">
+            <a:avLst/>
+          </a:prstGeom>
+        </p:spPr>
+        <p:style>
+          <a:lnRef idx="1">
+            <a:schemeClr val="accent1"/>
+          </a:lnRef>
+          <a:fillRef idx="0">
+            <a:schemeClr val="accent1"/>
+          </a:fillRef>
+          <a:effectRef idx="0">
+            <a:schemeClr val="accent1"/>
+          </a:effectRef>
+          <a:fontRef idx="minor">
+            <a:schemeClr val="tx1"/>
+          </a:fontRef>
+        </p:style>
+      </p:cxnSp>
+      <mc:AlternateContent xmlns:mc="http://schemas.openxmlformats.org/markup-compatibility/2006" xmlns:a14="http://schemas.microsoft.com/office/drawing/2010/main">
+        <mc:Choice Requires="a14">
+          <p:sp>
+            <p:nvSpPr>
+              <p:cNvPr id="25" name="文本框 24">
+                <a:extLst>
+                  <a:ext uri="{FF2B5EF4-FFF2-40B4-BE49-F238E27FC236}">
+                    <a16:creationId xmlns:a16="http://schemas.microsoft.com/office/drawing/2014/main" id="{AFF3088E-4240-4380-9D33-2930395C3A0D}"/>
+                  </a:ext>
+                </a:extLst>
+              </p:cNvPr>
+              <p:cNvSpPr txBox="1"/>
+              <p:nvPr/>
+            </p:nvSpPr>
+            <p:spPr>
+              <a:xfrm>
+                <a:off x="4223795" y="1131730"/>
+                <a:ext cx="357155" cy="369332"/>
+              </a:xfrm>
+              <a:prstGeom prst="rect">
+                <a:avLst/>
+              </a:prstGeom>
+              <a:noFill/>
+            </p:spPr>
+            <p:txBody>
+              <a:bodyPr wrap="square" rtlCol="0">
+                <a:spAutoFit/>
+              </a:bodyPr>
+              <a:lstStyle/>
+              <a:p>
+                <a:pPr/>
+                <a14:m>
+                  <m:oMathPara xmlns:m="http://schemas.openxmlformats.org/officeDocument/2006/math">
+                    <m:oMathParaPr>
+                      <m:jc m:val="centerGroup"/>
+                    </m:oMathParaPr>
+                    <m:oMath xmlns:m="http://schemas.openxmlformats.org/officeDocument/2006/math">
+                      <m:sSub>
+                        <m:sSubPr>
+                          <m:ctrlPr>
+                            <a:rPr lang="en-US" altLang="zh-CN" i="1" smtClean="0">
+                              <a:latin typeface="Cambria Math" panose="02040503050406030204" pitchFamily="18" charset="0"/>
+                            </a:rPr>
+                          </m:ctrlPr>
+                        </m:sSubPr>
+                        <m:e>
+                          <m:r>
+                            <a:rPr lang="en-US" altLang="zh-CN" b="0" i="1" smtClean="0">
+                              <a:latin typeface="Cambria Math" panose="02040503050406030204" pitchFamily="18" charset="0"/>
+                            </a:rPr>
+                            <m:t>𝑙</m:t>
+                          </m:r>
+                        </m:e>
+                        <m:sub>
+                          <m:r>
+                            <a:rPr lang="en-US" altLang="zh-CN" b="0" i="1" smtClean="0">
+                              <a:latin typeface="Cambria Math" panose="02040503050406030204" pitchFamily="18" charset="0"/>
+                            </a:rPr>
+                            <m:t>0</m:t>
+                          </m:r>
+                        </m:sub>
+                      </m:sSub>
+                    </m:oMath>
+                  </m:oMathPara>
+                </a14:m>
+                <a:endParaRPr lang="zh-CN" altLang="en-US" dirty="0"/>
+              </a:p>
+            </p:txBody>
+          </p:sp>
+        </mc:Choice>
+        <mc:Fallback xmlns="">
+          <p:sp>
+            <p:nvSpPr>
+              <p:cNvPr id="25" name="文本框 24">
+                <a:extLst>
+                  <a:ext uri="{FF2B5EF4-FFF2-40B4-BE49-F238E27FC236}">
+                    <a16:creationId xmlns:a16="http://schemas.microsoft.com/office/drawing/2014/main" id="{AFF3088E-4240-4380-9D33-2930395C3A0D}"/>
+                  </a:ext>
+                </a:extLst>
+              </p:cNvPr>
+              <p:cNvSpPr txBox="1">
+                <a:spLocks noRot="1" noChangeAspect="1" noMove="1" noResize="1" noEditPoints="1" noAdjustHandles="1" noChangeArrowheads="1" noChangeShapeType="1" noTextEdit="1"/>
+              </p:cNvSpPr>
+              <p:nvPr/>
+            </p:nvSpPr>
+            <p:spPr>
+              <a:xfrm>
+                <a:off x="4223795" y="1131730"/>
+                <a:ext cx="357155" cy="369332"/>
+              </a:xfrm>
+              <a:prstGeom prst="rect">
+                <a:avLst/>
+              </a:prstGeom>
+              <a:blipFill>
+                <a:blip r:embed="rId2"/>
+                <a:stretch>
+                  <a:fillRect/>
+                </a:stretch>
+              </a:blipFill>
+            </p:spPr>
+            <p:txBody>
+              <a:bodyPr/>
+              <a:lstStyle/>
+              <a:p>
+                <a:r>
+                  <a:rPr lang="zh-CN" altLang="en-US">
+                    <a:noFill/>
+                  </a:rPr>
+                  <a:t> </a:t>
+                </a:r>
+              </a:p>
+            </p:txBody>
+          </p:sp>
+        </mc:Fallback>
+      </mc:AlternateContent>
+      <mc:AlternateContent xmlns:mc="http://schemas.openxmlformats.org/markup-compatibility/2006" xmlns:a14="http://schemas.microsoft.com/office/drawing/2010/main">
+        <mc:Choice Requires="a14">
+          <p:sp>
+            <p:nvSpPr>
+              <p:cNvPr id="27" name="文本框 26">
+                <a:extLst>
+                  <a:ext uri="{FF2B5EF4-FFF2-40B4-BE49-F238E27FC236}">
+                    <a16:creationId xmlns:a16="http://schemas.microsoft.com/office/drawing/2014/main" id="{B19D0ECF-3B94-4CCA-ADD8-904D9132CA40}"/>
+                  </a:ext>
+                </a:extLst>
+              </p:cNvPr>
+              <p:cNvSpPr txBox="1"/>
+              <p:nvPr/>
+            </p:nvSpPr>
+            <p:spPr>
+              <a:xfrm>
+                <a:off x="4582472" y="1130234"/>
+                <a:ext cx="357155" cy="369332"/>
+              </a:xfrm>
+              <a:prstGeom prst="rect">
+                <a:avLst/>
+              </a:prstGeom>
+              <a:noFill/>
+            </p:spPr>
+            <p:txBody>
+              <a:bodyPr wrap="square" rtlCol="0">
+                <a:spAutoFit/>
+              </a:bodyPr>
+              <a:lstStyle/>
+              <a:p>
+                <a:pPr/>
+                <a14:m>
+                  <m:oMathPara xmlns:m="http://schemas.openxmlformats.org/officeDocument/2006/math">
+                    <m:oMathParaPr>
+                      <m:jc m:val="centerGroup"/>
+                    </m:oMathParaPr>
+                    <m:oMath xmlns:m="http://schemas.openxmlformats.org/officeDocument/2006/math">
+                      <m:sSub>
+                        <m:sSubPr>
+                          <m:ctrlPr>
+                            <a:rPr lang="en-US" altLang="zh-CN" i="1" smtClean="0">
+                              <a:latin typeface="Cambria Math" panose="02040503050406030204" pitchFamily="18" charset="0"/>
+                            </a:rPr>
+                          </m:ctrlPr>
+                        </m:sSubPr>
+                        <m:e>
+                          <m:r>
+                            <a:rPr lang="en-US" altLang="zh-CN" b="0" i="1" smtClean="0">
+                              <a:latin typeface="Cambria Math" panose="02040503050406030204" pitchFamily="18" charset="0"/>
+                            </a:rPr>
+                            <m:t>𝑙</m:t>
+                          </m:r>
+                        </m:e>
+                        <m:sub>
+                          <m:r>
+                            <a:rPr lang="en-US" altLang="zh-CN" b="0" i="1" smtClean="0">
+                              <a:latin typeface="Cambria Math" panose="02040503050406030204" pitchFamily="18" charset="0"/>
+                            </a:rPr>
+                            <m:t>1</m:t>
+                          </m:r>
+                        </m:sub>
+                      </m:sSub>
+                    </m:oMath>
+                  </m:oMathPara>
+                </a14:m>
+                <a:endParaRPr lang="zh-CN" altLang="en-US" dirty="0"/>
+              </a:p>
+            </p:txBody>
+          </p:sp>
+        </mc:Choice>
+        <mc:Fallback xmlns="">
+          <p:sp>
+            <p:nvSpPr>
+              <p:cNvPr id="27" name="文本框 26">
+                <a:extLst>
+                  <a:ext uri="{FF2B5EF4-FFF2-40B4-BE49-F238E27FC236}">
+                    <a16:creationId xmlns:a16="http://schemas.microsoft.com/office/drawing/2014/main" id="{B19D0ECF-3B94-4CCA-ADD8-904D9132CA40}"/>
+                  </a:ext>
+                </a:extLst>
+              </p:cNvPr>
+              <p:cNvSpPr txBox="1">
+                <a:spLocks noRot="1" noChangeAspect="1" noMove="1" noResize="1" noEditPoints="1" noAdjustHandles="1" noChangeArrowheads="1" noChangeShapeType="1" noTextEdit="1"/>
+              </p:cNvSpPr>
+              <p:nvPr/>
+            </p:nvSpPr>
+            <p:spPr>
+              <a:xfrm>
+                <a:off x="4582472" y="1130234"/>
+                <a:ext cx="357155" cy="369332"/>
+              </a:xfrm>
+              <a:prstGeom prst="rect">
+                <a:avLst/>
+              </a:prstGeom>
+              <a:blipFill>
+                <a:blip r:embed="rId3"/>
+                <a:stretch>
+                  <a:fillRect/>
+                </a:stretch>
+              </a:blipFill>
+            </p:spPr>
+            <p:txBody>
+              <a:bodyPr/>
+              <a:lstStyle/>
+              <a:p>
+                <a:r>
+                  <a:rPr lang="zh-CN" altLang="en-US">
+                    <a:noFill/>
+                  </a:rPr>
+                  <a:t> </a:t>
+                </a:r>
+              </a:p>
+            </p:txBody>
+          </p:sp>
+        </mc:Fallback>
+      </mc:AlternateContent>
+      <mc:AlternateContent xmlns:mc="http://schemas.openxmlformats.org/markup-compatibility/2006" xmlns:a14="http://schemas.microsoft.com/office/drawing/2010/main">
+        <mc:Choice Requires="a14">
+          <p:sp>
+            <p:nvSpPr>
+              <p:cNvPr id="28" name="文本框 27">
+                <a:extLst>
+                  <a:ext uri="{FF2B5EF4-FFF2-40B4-BE49-F238E27FC236}">
+                    <a16:creationId xmlns:a16="http://schemas.microsoft.com/office/drawing/2014/main" id="{3DC3F27E-688B-44B8-839F-3159E0A52F39}"/>
+                  </a:ext>
+                </a:extLst>
+              </p:cNvPr>
+              <p:cNvSpPr txBox="1"/>
+              <p:nvPr/>
+            </p:nvSpPr>
+            <p:spPr>
+              <a:xfrm>
+                <a:off x="4942472" y="1130234"/>
+                <a:ext cx="357155" cy="369332"/>
+              </a:xfrm>
+              <a:prstGeom prst="rect">
+                <a:avLst/>
+              </a:prstGeom>
+              <a:noFill/>
+            </p:spPr>
+            <p:txBody>
+              <a:bodyPr wrap="square" rtlCol="0">
+                <a:spAutoFit/>
+              </a:bodyPr>
+              <a:lstStyle/>
+              <a:p>
+                <a:pPr/>
+                <a14:m>
+                  <m:oMathPara xmlns:m="http://schemas.openxmlformats.org/officeDocument/2006/math">
+                    <m:oMathParaPr>
+                      <m:jc m:val="centerGroup"/>
+                    </m:oMathParaPr>
+                    <m:oMath xmlns:m="http://schemas.openxmlformats.org/officeDocument/2006/math">
+                      <m:sSub>
+                        <m:sSubPr>
+                          <m:ctrlPr>
+                            <a:rPr lang="en-US" altLang="zh-CN" i="1" smtClean="0">
+                              <a:latin typeface="Cambria Math" panose="02040503050406030204" pitchFamily="18" charset="0"/>
+                            </a:rPr>
+                          </m:ctrlPr>
+                        </m:sSubPr>
+                        <m:e>
+                          <m:r>
+                            <a:rPr lang="en-US" altLang="zh-CN" b="0" i="1" smtClean="0">
+                              <a:latin typeface="Cambria Math" panose="02040503050406030204" pitchFamily="18" charset="0"/>
+                            </a:rPr>
+                            <m:t>𝑙</m:t>
+                          </m:r>
+                        </m:e>
+                        <m:sub>
+                          <m:r>
+                            <a:rPr lang="en-US" altLang="zh-CN" b="0" i="1" smtClean="0">
+                              <a:latin typeface="Cambria Math" panose="02040503050406030204" pitchFamily="18" charset="0"/>
+                            </a:rPr>
+                            <m:t>2</m:t>
+                          </m:r>
+                        </m:sub>
+                      </m:sSub>
+                    </m:oMath>
+                  </m:oMathPara>
+                </a14:m>
+                <a:endParaRPr lang="zh-CN" altLang="en-US" dirty="0"/>
+              </a:p>
+            </p:txBody>
+          </p:sp>
+        </mc:Choice>
+        <mc:Fallback xmlns="">
+          <p:sp>
+            <p:nvSpPr>
+              <p:cNvPr id="28" name="文本框 27">
+                <a:extLst>
+                  <a:ext uri="{FF2B5EF4-FFF2-40B4-BE49-F238E27FC236}">
+                    <a16:creationId xmlns:a16="http://schemas.microsoft.com/office/drawing/2014/main" id="{3DC3F27E-688B-44B8-839F-3159E0A52F39}"/>
+                  </a:ext>
+                </a:extLst>
+              </p:cNvPr>
+              <p:cNvSpPr txBox="1">
+                <a:spLocks noRot="1" noChangeAspect="1" noMove="1" noResize="1" noEditPoints="1" noAdjustHandles="1" noChangeArrowheads="1" noChangeShapeType="1" noTextEdit="1"/>
+              </p:cNvSpPr>
+              <p:nvPr/>
+            </p:nvSpPr>
+            <p:spPr>
+              <a:xfrm>
+                <a:off x="4942472" y="1130234"/>
+                <a:ext cx="357155" cy="369332"/>
+              </a:xfrm>
+              <a:prstGeom prst="rect">
+                <a:avLst/>
+              </a:prstGeom>
+              <a:blipFill>
+                <a:blip r:embed="rId4"/>
+                <a:stretch>
+                  <a:fillRect/>
+                </a:stretch>
+              </a:blipFill>
+            </p:spPr>
+            <p:txBody>
+              <a:bodyPr/>
+              <a:lstStyle/>
+              <a:p>
+                <a:r>
+                  <a:rPr lang="zh-CN" altLang="en-US">
+                    <a:noFill/>
+                  </a:rPr>
+                  <a:t> </a:t>
+                </a:r>
+              </a:p>
+            </p:txBody>
+          </p:sp>
+        </mc:Fallback>
+      </mc:AlternateContent>
+      <mc:AlternateContent xmlns:mc="http://schemas.openxmlformats.org/markup-compatibility/2006" xmlns:a14="http://schemas.microsoft.com/office/drawing/2010/main">
+        <mc:Choice Requires="a14">
+          <p:sp>
+            <p:nvSpPr>
+              <p:cNvPr id="29" name="文本框 28">
+                <a:extLst>
+                  <a:ext uri="{FF2B5EF4-FFF2-40B4-BE49-F238E27FC236}">
+                    <a16:creationId xmlns:a16="http://schemas.microsoft.com/office/drawing/2014/main" id="{D4482E02-0F2E-45F7-AF8D-31A5A93B829C}"/>
+                  </a:ext>
+                </a:extLst>
+              </p:cNvPr>
+              <p:cNvSpPr txBox="1"/>
+              <p:nvPr/>
+            </p:nvSpPr>
+            <p:spPr>
+              <a:xfrm>
+                <a:off x="5302472" y="1130234"/>
+                <a:ext cx="357155" cy="369332"/>
+              </a:xfrm>
+              <a:prstGeom prst="rect">
+                <a:avLst/>
+              </a:prstGeom>
+              <a:noFill/>
+            </p:spPr>
+            <p:txBody>
+              <a:bodyPr wrap="square" rtlCol="0">
+                <a:spAutoFit/>
+              </a:bodyPr>
+              <a:lstStyle/>
+              <a:p>
+                <a:pPr/>
+                <a14:m>
+                  <m:oMathPara xmlns:m="http://schemas.openxmlformats.org/officeDocument/2006/math">
+                    <m:oMathParaPr>
+                      <m:jc m:val="centerGroup"/>
+                    </m:oMathParaPr>
+                    <m:oMath xmlns:m="http://schemas.openxmlformats.org/officeDocument/2006/math">
+                      <m:sSub>
+                        <m:sSubPr>
+                          <m:ctrlPr>
+                            <a:rPr lang="en-US" altLang="zh-CN" i="1" smtClean="0">
+                              <a:latin typeface="Cambria Math" panose="02040503050406030204" pitchFamily="18" charset="0"/>
+                            </a:rPr>
+                          </m:ctrlPr>
+                        </m:sSubPr>
+                        <m:e>
+                          <m:r>
+                            <a:rPr lang="en-US" altLang="zh-CN" b="0" i="1" smtClean="0">
+                              <a:latin typeface="Cambria Math" panose="02040503050406030204" pitchFamily="18" charset="0"/>
+                            </a:rPr>
+                            <m:t>𝑙</m:t>
+                          </m:r>
+                        </m:e>
+                        <m:sub>
+                          <m:r>
+                            <a:rPr lang="en-US" altLang="zh-CN" b="0" i="1" smtClean="0">
+                              <a:latin typeface="Cambria Math" panose="02040503050406030204" pitchFamily="18" charset="0"/>
+                            </a:rPr>
+                            <m:t>3</m:t>
+                          </m:r>
+                        </m:sub>
+                      </m:sSub>
+                    </m:oMath>
+                  </m:oMathPara>
+                </a14:m>
+                <a:endParaRPr lang="zh-CN" altLang="en-US" dirty="0"/>
+              </a:p>
+            </p:txBody>
+          </p:sp>
+        </mc:Choice>
+        <mc:Fallback xmlns="">
+          <p:sp>
+            <p:nvSpPr>
+              <p:cNvPr id="29" name="文本框 28">
+                <a:extLst>
+                  <a:ext uri="{FF2B5EF4-FFF2-40B4-BE49-F238E27FC236}">
+                    <a16:creationId xmlns:a16="http://schemas.microsoft.com/office/drawing/2014/main" id="{D4482E02-0F2E-45F7-AF8D-31A5A93B829C}"/>
+                  </a:ext>
+                </a:extLst>
+              </p:cNvPr>
+              <p:cNvSpPr txBox="1">
+                <a:spLocks noRot="1" noChangeAspect="1" noMove="1" noResize="1" noEditPoints="1" noAdjustHandles="1" noChangeArrowheads="1" noChangeShapeType="1" noTextEdit="1"/>
+              </p:cNvSpPr>
+              <p:nvPr/>
+            </p:nvSpPr>
+            <p:spPr>
+              <a:xfrm>
+                <a:off x="5302472" y="1130234"/>
+                <a:ext cx="357155" cy="369332"/>
+              </a:xfrm>
+              <a:prstGeom prst="rect">
+                <a:avLst/>
+              </a:prstGeom>
+              <a:blipFill>
+                <a:blip r:embed="rId5"/>
+                <a:stretch>
+                  <a:fillRect/>
+                </a:stretch>
+              </a:blipFill>
+            </p:spPr>
+            <p:txBody>
+              <a:bodyPr/>
+              <a:lstStyle/>
+              <a:p>
+                <a:r>
+                  <a:rPr lang="zh-CN" altLang="en-US">
+                    <a:noFill/>
+                  </a:rPr>
+                  <a:t> </a:t>
+                </a:r>
+              </a:p>
+            </p:txBody>
+          </p:sp>
+        </mc:Fallback>
+      </mc:AlternateContent>
+      <p:sp>
+        <p:nvSpPr>
+          <p:cNvPr id="30" name="文本框 29">
+            <a:extLst>
+              <a:ext uri="{FF2B5EF4-FFF2-40B4-BE49-F238E27FC236}">
+                <a16:creationId xmlns:a16="http://schemas.microsoft.com/office/drawing/2014/main" id="{8ADF0D76-4C50-478E-8994-F1DA84C6DB8E}"/>
+              </a:ext>
+            </a:extLst>
+          </p:cNvPr>
+          <p:cNvSpPr txBox="1"/>
+          <p:nvPr/>
+        </p:nvSpPr>
+        <p:spPr>
+          <a:xfrm>
+            <a:off x="5662472" y="1130234"/>
+            <a:ext cx="357155" cy="369332"/>
+          </a:xfrm>
+          <a:prstGeom prst="rect">
+            <a:avLst/>
+          </a:prstGeom>
+          <a:noFill/>
+        </p:spPr>
+        <p:txBody>
+          <a:bodyPr wrap="square" rtlCol="0">
+            <a:spAutoFit/>
+          </a:bodyPr>
+          <a:lstStyle/>
+          <a:p>
+            <a:r>
+              <a:rPr lang="en-US" altLang="zh-CN" dirty="0"/>
+              <a:t>…</a:t>
+            </a:r>
+            <a:endParaRPr lang="zh-CN" altLang="en-US" dirty="0"/>
+          </a:p>
+        </p:txBody>
+      </p:sp>
+      <mc:AlternateContent xmlns:mc="http://schemas.openxmlformats.org/markup-compatibility/2006" xmlns:a14="http://schemas.microsoft.com/office/drawing/2010/main">
+        <mc:Choice Requires="a14">
+          <p:sp>
+            <p:nvSpPr>
+              <p:cNvPr id="31" name="文本框 30">
+                <a:extLst>
+                  <a:ext uri="{FF2B5EF4-FFF2-40B4-BE49-F238E27FC236}">
+                    <a16:creationId xmlns:a16="http://schemas.microsoft.com/office/drawing/2014/main" id="{2643A62A-DDF5-4E3F-9477-D83F305DA206}"/>
+                  </a:ext>
+                </a:extLst>
+              </p:cNvPr>
+              <p:cNvSpPr txBox="1"/>
+              <p:nvPr/>
+            </p:nvSpPr>
+            <p:spPr>
+              <a:xfrm>
+                <a:off x="5951984" y="1162634"/>
+                <a:ext cx="357155" cy="307777"/>
+              </a:xfrm>
+              <a:prstGeom prst="rect">
+                <a:avLst/>
+              </a:prstGeom>
+              <a:noFill/>
+            </p:spPr>
+            <p:txBody>
+              <a:bodyPr wrap="square" rtlCol="0">
+                <a:spAutoFit/>
+              </a:bodyPr>
+              <a:lstStyle/>
+              <a:p>
+                <a:pPr/>
+                <a14:m>
+                  <m:oMathPara xmlns:m="http://schemas.openxmlformats.org/officeDocument/2006/math">
+                    <m:oMathParaPr>
+                      <m:jc m:val="centerGroup"/>
+                    </m:oMathParaPr>
+                    <m:oMath xmlns:m="http://schemas.openxmlformats.org/officeDocument/2006/math">
+                      <m:sSub>
+                        <m:sSubPr>
+                          <m:ctrlPr>
+                            <a:rPr lang="en-US" altLang="zh-CN" sz="1400" i="1" smtClean="0">
+                              <a:latin typeface="Cambria Math" panose="02040503050406030204" pitchFamily="18" charset="0"/>
+                            </a:rPr>
+                          </m:ctrlPr>
+                        </m:sSubPr>
+                        <m:e>
+                          <m:r>
+                            <a:rPr lang="en-US" altLang="zh-CN" sz="1400" b="0" i="1" smtClean="0">
+                              <a:latin typeface="Cambria Math" panose="02040503050406030204" pitchFamily="18" charset="0"/>
+                            </a:rPr>
+                            <m:t>𝑙</m:t>
+                          </m:r>
+                        </m:e>
+                        <m:sub>
+                          <m:r>
+                            <a:rPr lang="en-US" altLang="zh-CN" sz="1400" b="0" i="1" smtClean="0">
+                              <a:latin typeface="Cambria Math" panose="02040503050406030204" pitchFamily="18" charset="0"/>
+                            </a:rPr>
+                            <m:t>𝑏</m:t>
+                          </m:r>
+                          <m:r>
+                            <a:rPr lang="en-US" altLang="zh-CN" sz="1400" b="0" i="1" smtClean="0">
+                              <a:latin typeface="Cambria Math" panose="02040503050406030204" pitchFamily="18" charset="0"/>
+                            </a:rPr>
+                            <m:t>−2</m:t>
+                          </m:r>
+                        </m:sub>
+                      </m:sSub>
+                    </m:oMath>
+                  </m:oMathPara>
+                </a14:m>
+                <a:endParaRPr lang="zh-CN" altLang="en-US" sz="1400" dirty="0"/>
+              </a:p>
+            </p:txBody>
+          </p:sp>
+        </mc:Choice>
+        <mc:Fallback xmlns="">
+          <p:sp>
+            <p:nvSpPr>
+              <p:cNvPr id="31" name="文本框 30">
+                <a:extLst>
+                  <a:ext uri="{FF2B5EF4-FFF2-40B4-BE49-F238E27FC236}">
+                    <a16:creationId xmlns:a16="http://schemas.microsoft.com/office/drawing/2014/main" id="{2643A62A-DDF5-4E3F-9477-D83F305DA206}"/>
+                  </a:ext>
+                </a:extLst>
+              </p:cNvPr>
+              <p:cNvSpPr txBox="1">
+                <a:spLocks noRot="1" noChangeAspect="1" noMove="1" noResize="1" noEditPoints="1" noAdjustHandles="1" noChangeArrowheads="1" noChangeShapeType="1" noTextEdit="1"/>
+              </p:cNvSpPr>
+              <p:nvPr/>
+            </p:nvSpPr>
+            <p:spPr>
+              <a:xfrm>
+                <a:off x="5951984" y="1162634"/>
+                <a:ext cx="357155" cy="307777"/>
+              </a:xfrm>
+              <a:prstGeom prst="rect">
+                <a:avLst/>
+              </a:prstGeom>
+              <a:blipFill>
+                <a:blip r:embed="rId6"/>
+                <a:stretch>
+                  <a:fillRect r="-22034"/>
+                </a:stretch>
+              </a:blipFill>
+            </p:spPr>
+            <p:txBody>
+              <a:bodyPr/>
+              <a:lstStyle/>
+              <a:p>
+                <a:r>
+                  <a:rPr lang="zh-CN" altLang="en-US">
+                    <a:noFill/>
+                  </a:rPr>
+                  <a:t> </a:t>
+                </a:r>
+              </a:p>
+            </p:txBody>
+          </p:sp>
+        </mc:Fallback>
+      </mc:AlternateContent>
+      <mc:AlternateContent xmlns:mc="http://schemas.openxmlformats.org/markup-compatibility/2006" xmlns:a14="http://schemas.microsoft.com/office/drawing/2010/main">
+        <mc:Choice Requires="a14">
+          <p:sp>
+            <p:nvSpPr>
+              <p:cNvPr id="32" name="文本框 31">
+                <a:extLst>
+                  <a:ext uri="{FF2B5EF4-FFF2-40B4-BE49-F238E27FC236}">
+                    <a16:creationId xmlns:a16="http://schemas.microsoft.com/office/drawing/2014/main" id="{8230AD97-2A1E-49B1-8AAB-254D184F76CE}"/>
+                  </a:ext>
+                </a:extLst>
+              </p:cNvPr>
+              <p:cNvSpPr txBox="1"/>
+              <p:nvPr/>
+            </p:nvSpPr>
+            <p:spPr>
+              <a:xfrm>
+                <a:off x="6310472" y="1162634"/>
+                <a:ext cx="357155" cy="307777"/>
+              </a:xfrm>
+              <a:prstGeom prst="rect">
+                <a:avLst/>
+              </a:prstGeom>
+              <a:noFill/>
+            </p:spPr>
+            <p:txBody>
+              <a:bodyPr wrap="square" rtlCol="0">
+                <a:spAutoFit/>
+              </a:bodyPr>
+              <a:lstStyle/>
+              <a:p>
+                <a:pPr/>
+                <a14:m>
+                  <m:oMathPara xmlns:m="http://schemas.openxmlformats.org/officeDocument/2006/math">
+                    <m:oMathParaPr>
+                      <m:jc m:val="centerGroup"/>
+                    </m:oMathParaPr>
+                    <m:oMath xmlns:m="http://schemas.openxmlformats.org/officeDocument/2006/math">
+                      <m:sSub>
+                        <m:sSubPr>
+                          <m:ctrlPr>
+                            <a:rPr lang="en-US" altLang="zh-CN" sz="1400" i="1" smtClean="0">
+                              <a:latin typeface="Cambria Math" panose="02040503050406030204" pitchFamily="18" charset="0"/>
+                            </a:rPr>
+                          </m:ctrlPr>
+                        </m:sSubPr>
+                        <m:e>
+                          <m:r>
+                            <a:rPr lang="en-US" altLang="zh-CN" sz="1400" b="0" i="1" smtClean="0">
+                              <a:latin typeface="Cambria Math" panose="02040503050406030204" pitchFamily="18" charset="0"/>
+                            </a:rPr>
+                            <m:t>𝑙</m:t>
+                          </m:r>
+                        </m:e>
+                        <m:sub>
+                          <m:r>
+                            <a:rPr lang="en-US" altLang="zh-CN" sz="1400" b="0" i="1" smtClean="0">
+                              <a:latin typeface="Cambria Math" panose="02040503050406030204" pitchFamily="18" charset="0"/>
+                            </a:rPr>
+                            <m:t>𝑏</m:t>
+                          </m:r>
+                          <m:r>
+                            <a:rPr lang="en-US" altLang="zh-CN" sz="1400" b="0" i="1" smtClean="0">
+                              <a:latin typeface="Cambria Math" panose="02040503050406030204" pitchFamily="18" charset="0"/>
+                            </a:rPr>
+                            <m:t>−1</m:t>
+                          </m:r>
+                        </m:sub>
+                      </m:sSub>
+                    </m:oMath>
+                  </m:oMathPara>
+                </a14:m>
+                <a:endParaRPr lang="zh-CN" altLang="en-US" sz="1400" dirty="0"/>
+              </a:p>
+            </p:txBody>
+          </p:sp>
+        </mc:Choice>
+        <mc:Fallback xmlns="">
+          <p:sp>
+            <p:nvSpPr>
+              <p:cNvPr id="32" name="文本框 31">
+                <a:extLst>
+                  <a:ext uri="{FF2B5EF4-FFF2-40B4-BE49-F238E27FC236}">
+                    <a16:creationId xmlns:a16="http://schemas.microsoft.com/office/drawing/2014/main" id="{8230AD97-2A1E-49B1-8AAB-254D184F76CE}"/>
+                  </a:ext>
+                </a:extLst>
+              </p:cNvPr>
+              <p:cNvSpPr txBox="1">
+                <a:spLocks noRot="1" noChangeAspect="1" noMove="1" noResize="1" noEditPoints="1" noAdjustHandles="1" noChangeArrowheads="1" noChangeShapeType="1" noTextEdit="1"/>
+              </p:cNvSpPr>
+              <p:nvPr/>
+            </p:nvSpPr>
+            <p:spPr>
+              <a:xfrm>
+                <a:off x="6310472" y="1162634"/>
+                <a:ext cx="357155" cy="307777"/>
+              </a:xfrm>
+              <a:prstGeom prst="rect">
+                <a:avLst/>
+              </a:prstGeom>
+              <a:blipFill>
+                <a:blip r:embed="rId7"/>
+                <a:stretch>
+                  <a:fillRect r="-22034"/>
+                </a:stretch>
+              </a:blipFill>
+            </p:spPr>
+            <p:txBody>
+              <a:bodyPr/>
+              <a:lstStyle/>
+              <a:p>
+                <a:r>
+                  <a:rPr lang="zh-CN" altLang="en-US">
+                    <a:noFill/>
+                  </a:rPr>
+                  <a:t> </a:t>
+                </a:r>
+              </a:p>
+            </p:txBody>
+          </p:sp>
+        </mc:Fallback>
+      </mc:AlternateContent>
+      <p:sp>
+        <p:nvSpPr>
+          <p:cNvPr id="33" name="流程图: 过程 32">
+            <a:extLst>
+              <a:ext uri="{FF2B5EF4-FFF2-40B4-BE49-F238E27FC236}">
+                <a16:creationId xmlns:a16="http://schemas.microsoft.com/office/drawing/2014/main" id="{9CB93151-1D22-47D0-93F0-FEA85E175BAA}"/>
+              </a:ext>
+            </a:extLst>
+          </p:cNvPr>
+          <p:cNvSpPr>
+            <a:spLocks/>
+          </p:cNvSpPr>
+          <p:nvPr/>
+        </p:nvSpPr>
+        <p:spPr>
+          <a:xfrm>
+            <a:off x="3143672" y="3429000"/>
+            <a:ext cx="3600000" cy="360000"/>
+          </a:xfrm>
+          <a:prstGeom prst="flowChartProcess">
+            <a:avLst/>
+          </a:prstGeom>
+          <a:noFill/>
+          <a:ln>
+            <a:solidFill>
+              <a:schemeClr val="accent1"/>
+            </a:solidFill>
+          </a:ln>
+        </p:spPr>
+        <p:style>
+          <a:lnRef idx="2">
+            <a:schemeClr val="accent1">
+              <a:shade val="50000"/>
+            </a:schemeClr>
+          </a:lnRef>
+          <a:fillRef idx="1">
+            <a:schemeClr val="accent1"/>
+          </a:fillRef>
+          <a:effectRef idx="0">
+            <a:schemeClr val="accent1"/>
+          </a:effectRef>
+          <a:fontRef idx="minor">
+            <a:schemeClr val="lt1"/>
+          </a:fontRef>
+        </p:style>
+        <p:txBody>
+          <a:bodyPr rtlCol="0" anchor="ctr"/>
+          <a:lstStyle/>
+          <a:p>
+            <a:r>
+              <a:rPr lang="en-US" altLang="zh-CN" sz="1100" dirty="0">
+                <a:solidFill>
+                  <a:schemeClr val="tx1"/>
+                </a:solidFill>
+              </a:rPr>
+              <a:t>High Bucket List</a:t>
+            </a:r>
+            <a:endParaRPr lang="zh-CN" altLang="en-US" sz="1100" dirty="0">
+              <a:solidFill>
+                <a:schemeClr val="tx1"/>
+              </a:solidFill>
+            </a:endParaRPr>
+          </a:p>
+        </p:txBody>
+      </p:sp>
+      <p:cxnSp>
+        <p:nvCxnSpPr>
+          <p:cNvPr id="34" name="直接连接符 33">
+            <a:extLst>
+              <a:ext uri="{FF2B5EF4-FFF2-40B4-BE49-F238E27FC236}">
+                <a16:creationId xmlns:a16="http://schemas.microsoft.com/office/drawing/2014/main" id="{81D7303D-8948-457F-BB9E-8992CBD942D5}"/>
+              </a:ext>
+            </a:extLst>
+          </p:cNvPr>
+          <p:cNvCxnSpPr>
+            <a:cxnSpLocks/>
+          </p:cNvCxnSpPr>
+          <p:nvPr/>
+        </p:nvCxnSpPr>
+        <p:spPr>
+          <a:xfrm flipV="1">
+            <a:off x="4223792" y="3429000"/>
+            <a:ext cx="0" cy="360000"/>
+          </a:xfrm>
+          <a:prstGeom prst="line">
+            <a:avLst/>
+          </a:prstGeom>
+        </p:spPr>
+        <p:style>
+          <a:lnRef idx="1">
+            <a:schemeClr val="accent1"/>
+          </a:lnRef>
+          <a:fillRef idx="0">
+            <a:schemeClr val="accent1"/>
+          </a:fillRef>
+          <a:effectRef idx="0">
+            <a:schemeClr val="accent1"/>
+          </a:effectRef>
+          <a:fontRef idx="minor">
+            <a:schemeClr val="tx1"/>
+          </a:fontRef>
+        </p:style>
+      </p:cxnSp>
+      <p:cxnSp>
+        <p:nvCxnSpPr>
+          <p:cNvPr id="35" name="直接连接符 34">
+            <a:extLst>
+              <a:ext uri="{FF2B5EF4-FFF2-40B4-BE49-F238E27FC236}">
+                <a16:creationId xmlns:a16="http://schemas.microsoft.com/office/drawing/2014/main" id="{7AB4CCBC-F08D-4AC7-8928-B6664166BF25}"/>
+              </a:ext>
+            </a:extLst>
+          </p:cNvPr>
+          <p:cNvCxnSpPr/>
+          <p:nvPr/>
+        </p:nvCxnSpPr>
+        <p:spPr>
+          <a:xfrm>
+            <a:off x="4583832" y="3429000"/>
+            <a:ext cx="0" cy="360000"/>
+          </a:xfrm>
+          <a:prstGeom prst="line">
+            <a:avLst/>
+          </a:prstGeom>
+        </p:spPr>
+        <p:style>
+          <a:lnRef idx="1">
+            <a:schemeClr val="accent1"/>
+          </a:lnRef>
+          <a:fillRef idx="0">
+            <a:schemeClr val="accent1"/>
+          </a:fillRef>
+          <a:effectRef idx="0">
+            <a:schemeClr val="accent1"/>
+          </a:effectRef>
+          <a:fontRef idx="minor">
+            <a:schemeClr val="tx1"/>
+          </a:fontRef>
+        </p:style>
+      </p:cxnSp>
+      <p:cxnSp>
+        <p:nvCxnSpPr>
+          <p:cNvPr id="36" name="直接连接符 35">
+            <a:extLst>
+              <a:ext uri="{FF2B5EF4-FFF2-40B4-BE49-F238E27FC236}">
+                <a16:creationId xmlns:a16="http://schemas.microsoft.com/office/drawing/2014/main" id="{C7C2292F-C2F7-4F41-8588-918FBD71FDF6}"/>
+              </a:ext>
+            </a:extLst>
+          </p:cNvPr>
+          <p:cNvCxnSpPr/>
+          <p:nvPr/>
+        </p:nvCxnSpPr>
+        <p:spPr>
+          <a:xfrm>
+            <a:off x="4942472" y="3428866"/>
+            <a:ext cx="0" cy="360000"/>
+          </a:xfrm>
+          <a:prstGeom prst="line">
+            <a:avLst/>
+          </a:prstGeom>
+        </p:spPr>
+        <p:style>
+          <a:lnRef idx="1">
+            <a:schemeClr val="accent1"/>
+          </a:lnRef>
+          <a:fillRef idx="0">
+            <a:schemeClr val="accent1"/>
+          </a:fillRef>
+          <a:effectRef idx="0">
+            <a:schemeClr val="accent1"/>
+          </a:effectRef>
+          <a:fontRef idx="minor">
+            <a:schemeClr val="tx1"/>
+          </a:fontRef>
+        </p:style>
+      </p:cxnSp>
+      <p:cxnSp>
+        <p:nvCxnSpPr>
+          <p:cNvPr id="37" name="直接连接符 36">
+            <a:extLst>
+              <a:ext uri="{FF2B5EF4-FFF2-40B4-BE49-F238E27FC236}">
+                <a16:creationId xmlns:a16="http://schemas.microsoft.com/office/drawing/2014/main" id="{AC32CA6E-EABC-4692-8D71-6B0F8EF6A161}"/>
+              </a:ext>
+            </a:extLst>
+          </p:cNvPr>
+          <p:cNvCxnSpPr>
+            <a:cxnSpLocks/>
+          </p:cNvCxnSpPr>
+          <p:nvPr/>
+        </p:nvCxnSpPr>
+        <p:spPr>
+          <a:xfrm flipV="1">
+            <a:off x="5302472" y="3429000"/>
+            <a:ext cx="0" cy="360000"/>
+          </a:xfrm>
+          <a:prstGeom prst="line">
+            <a:avLst/>
+          </a:prstGeom>
+        </p:spPr>
+        <p:style>
+          <a:lnRef idx="1">
+            <a:schemeClr val="accent1"/>
+          </a:lnRef>
+          <a:fillRef idx="0">
+            <a:schemeClr val="accent1"/>
+          </a:fillRef>
+          <a:effectRef idx="0">
+            <a:schemeClr val="accent1"/>
+          </a:effectRef>
+          <a:fontRef idx="minor">
+            <a:schemeClr val="tx1"/>
+          </a:fontRef>
+        </p:style>
+      </p:cxnSp>
+      <p:cxnSp>
+        <p:nvCxnSpPr>
+          <p:cNvPr id="38" name="直接连接符 37">
+            <a:extLst>
+              <a:ext uri="{FF2B5EF4-FFF2-40B4-BE49-F238E27FC236}">
+                <a16:creationId xmlns:a16="http://schemas.microsoft.com/office/drawing/2014/main" id="{73C18482-3F9A-4353-8A12-680D6618F3DB}"/>
+              </a:ext>
+            </a:extLst>
+          </p:cNvPr>
+          <p:cNvCxnSpPr/>
+          <p:nvPr/>
+        </p:nvCxnSpPr>
+        <p:spPr>
+          <a:xfrm>
+            <a:off x="5662472" y="3429000"/>
+            <a:ext cx="0" cy="360000"/>
+          </a:xfrm>
+          <a:prstGeom prst="line">
+            <a:avLst/>
+          </a:prstGeom>
+        </p:spPr>
+        <p:style>
+          <a:lnRef idx="1">
+            <a:schemeClr val="accent1"/>
+          </a:lnRef>
+          <a:fillRef idx="0">
+            <a:schemeClr val="accent1"/>
+          </a:fillRef>
+          <a:effectRef idx="0">
+            <a:schemeClr val="accent1"/>
+          </a:effectRef>
+          <a:fontRef idx="minor">
+            <a:schemeClr val="tx1"/>
+          </a:fontRef>
+        </p:style>
+      </p:cxnSp>
+      <p:cxnSp>
+        <p:nvCxnSpPr>
+          <p:cNvPr id="39" name="直接连接符 38">
+            <a:extLst>
+              <a:ext uri="{FF2B5EF4-FFF2-40B4-BE49-F238E27FC236}">
+                <a16:creationId xmlns:a16="http://schemas.microsoft.com/office/drawing/2014/main" id="{03837039-5731-453A-AA9F-01C2F979B707}"/>
+              </a:ext>
+            </a:extLst>
+          </p:cNvPr>
+          <p:cNvCxnSpPr/>
+          <p:nvPr/>
+        </p:nvCxnSpPr>
+        <p:spPr>
+          <a:xfrm>
+            <a:off x="6023992" y="3428866"/>
+            <a:ext cx="0" cy="360000"/>
+          </a:xfrm>
+          <a:prstGeom prst="line">
+            <a:avLst/>
+          </a:prstGeom>
+        </p:spPr>
+        <p:style>
+          <a:lnRef idx="1">
+            <a:schemeClr val="accent1"/>
+          </a:lnRef>
+          <a:fillRef idx="0">
+            <a:schemeClr val="accent1"/>
+          </a:fillRef>
+          <a:effectRef idx="0">
+            <a:schemeClr val="accent1"/>
+          </a:effectRef>
+          <a:fontRef idx="minor">
+            <a:schemeClr val="tx1"/>
+          </a:fontRef>
+        </p:style>
+      </p:cxnSp>
+      <p:cxnSp>
+        <p:nvCxnSpPr>
+          <p:cNvPr id="40" name="直接连接符 39">
+            <a:extLst>
+              <a:ext uri="{FF2B5EF4-FFF2-40B4-BE49-F238E27FC236}">
+                <a16:creationId xmlns:a16="http://schemas.microsoft.com/office/drawing/2014/main" id="{FE61B732-5D66-49B2-8282-213B186FE1A6}"/>
+              </a:ext>
+            </a:extLst>
+          </p:cNvPr>
+          <p:cNvCxnSpPr/>
+          <p:nvPr/>
+        </p:nvCxnSpPr>
+        <p:spPr>
+          <a:xfrm>
+            <a:off x="6382472" y="3428866"/>
+            <a:ext cx="0" cy="360000"/>
+          </a:xfrm>
+          <a:prstGeom prst="line">
+            <a:avLst/>
+          </a:prstGeom>
+        </p:spPr>
+        <p:style>
+          <a:lnRef idx="1">
+            <a:schemeClr val="accent1"/>
+          </a:lnRef>
+          <a:fillRef idx="0">
+            <a:schemeClr val="accent1"/>
+          </a:fillRef>
+          <a:effectRef idx="0">
+            <a:schemeClr val="accent1"/>
+          </a:effectRef>
+          <a:fontRef idx="minor">
+            <a:schemeClr val="tx1"/>
+          </a:fontRef>
+        </p:style>
+      </p:cxnSp>
+      <mc:AlternateContent xmlns:mc="http://schemas.openxmlformats.org/markup-compatibility/2006" xmlns:a14="http://schemas.microsoft.com/office/drawing/2010/main">
+        <mc:Choice Requires="a14">
+          <p:sp>
+            <p:nvSpPr>
+              <p:cNvPr id="41" name="文本框 40">
+                <a:extLst>
+                  <a:ext uri="{FF2B5EF4-FFF2-40B4-BE49-F238E27FC236}">
+                    <a16:creationId xmlns:a16="http://schemas.microsoft.com/office/drawing/2014/main" id="{EE74969D-BC16-4DF6-841F-4E2A54877BC4}"/>
+                  </a:ext>
+                </a:extLst>
+              </p:cNvPr>
+              <p:cNvSpPr txBox="1"/>
+              <p:nvPr/>
+            </p:nvSpPr>
+            <p:spPr>
+              <a:xfrm>
+                <a:off x="4223795" y="3419562"/>
+                <a:ext cx="357155" cy="369332"/>
+              </a:xfrm>
+              <a:prstGeom prst="rect">
+                <a:avLst/>
+              </a:prstGeom>
+              <a:noFill/>
+            </p:spPr>
+            <p:txBody>
+              <a:bodyPr wrap="square" rtlCol="0">
+                <a:spAutoFit/>
+              </a:bodyPr>
+              <a:lstStyle/>
+              <a:p>
+                <a:pPr/>
+                <a14:m>
+                  <m:oMathPara xmlns:m="http://schemas.openxmlformats.org/officeDocument/2006/math">
+                    <m:oMathParaPr>
+                      <m:jc m:val="centerGroup"/>
+                    </m:oMathParaPr>
+                    <m:oMath xmlns:m="http://schemas.openxmlformats.org/officeDocument/2006/math">
+                      <m:sSub>
+                        <m:sSubPr>
+                          <m:ctrlPr>
+                            <a:rPr lang="en-US" altLang="zh-CN" i="1" smtClean="0">
+                              <a:latin typeface="Cambria Math" panose="02040503050406030204" pitchFamily="18" charset="0"/>
+                            </a:rPr>
+                          </m:ctrlPr>
+                        </m:sSubPr>
+                        <m:e>
+                          <m:r>
+                            <a:rPr lang="en-US" altLang="zh-CN" b="0" i="1" smtClean="0">
+                              <a:latin typeface="Cambria Math" panose="02040503050406030204" pitchFamily="18" charset="0"/>
+                            </a:rPr>
+                            <m:t>h</m:t>
+                          </m:r>
+                        </m:e>
+                        <m:sub>
+                          <m:r>
+                            <a:rPr lang="en-US" altLang="zh-CN" b="0" i="1" smtClean="0">
+                              <a:latin typeface="Cambria Math" panose="02040503050406030204" pitchFamily="18" charset="0"/>
+                            </a:rPr>
+                            <m:t>0</m:t>
+                          </m:r>
+                        </m:sub>
+                      </m:sSub>
+                    </m:oMath>
+                  </m:oMathPara>
+                </a14:m>
+                <a:endParaRPr lang="zh-CN" altLang="en-US" dirty="0"/>
+              </a:p>
+            </p:txBody>
+          </p:sp>
+        </mc:Choice>
+        <mc:Fallback xmlns="">
+          <p:sp>
+            <p:nvSpPr>
+              <p:cNvPr id="41" name="文本框 40">
+                <a:extLst>
+                  <a:ext uri="{FF2B5EF4-FFF2-40B4-BE49-F238E27FC236}">
+                    <a16:creationId xmlns:a16="http://schemas.microsoft.com/office/drawing/2014/main" id="{EE74969D-BC16-4DF6-841F-4E2A54877BC4}"/>
+                  </a:ext>
+                </a:extLst>
+              </p:cNvPr>
+              <p:cNvSpPr txBox="1">
+                <a:spLocks noRot="1" noChangeAspect="1" noMove="1" noResize="1" noEditPoints="1" noAdjustHandles="1" noChangeArrowheads="1" noChangeShapeType="1" noTextEdit="1"/>
+              </p:cNvSpPr>
+              <p:nvPr/>
+            </p:nvSpPr>
+            <p:spPr>
+              <a:xfrm>
+                <a:off x="4223795" y="3419562"/>
+                <a:ext cx="357155" cy="369332"/>
+              </a:xfrm>
+              <a:prstGeom prst="rect">
+                <a:avLst/>
+              </a:prstGeom>
+              <a:blipFill>
+                <a:blip r:embed="rId8"/>
+                <a:stretch>
+                  <a:fillRect r="-5172"/>
+                </a:stretch>
+              </a:blipFill>
+            </p:spPr>
+            <p:txBody>
+              <a:bodyPr/>
+              <a:lstStyle/>
+              <a:p>
+                <a:r>
+                  <a:rPr lang="zh-CN" altLang="en-US">
+                    <a:noFill/>
+                  </a:rPr>
+                  <a:t> </a:t>
+                </a:r>
+              </a:p>
+            </p:txBody>
+          </p:sp>
+        </mc:Fallback>
+      </mc:AlternateContent>
+      <mc:AlternateContent xmlns:mc="http://schemas.openxmlformats.org/markup-compatibility/2006" xmlns:a14="http://schemas.microsoft.com/office/drawing/2010/main">
+        <mc:Choice Requires="a14">
+          <p:sp>
+            <p:nvSpPr>
+              <p:cNvPr id="42" name="文本框 41">
+                <a:extLst>
+                  <a:ext uri="{FF2B5EF4-FFF2-40B4-BE49-F238E27FC236}">
+                    <a16:creationId xmlns:a16="http://schemas.microsoft.com/office/drawing/2014/main" id="{8EF048C3-3155-41A8-B370-F4601C405099}"/>
+                  </a:ext>
+                </a:extLst>
+              </p:cNvPr>
+              <p:cNvSpPr txBox="1"/>
+              <p:nvPr/>
+            </p:nvSpPr>
+            <p:spPr>
+              <a:xfrm>
+                <a:off x="4582472" y="3418066"/>
+                <a:ext cx="357155" cy="369332"/>
+              </a:xfrm>
+              <a:prstGeom prst="rect">
+                <a:avLst/>
+              </a:prstGeom>
+              <a:noFill/>
+            </p:spPr>
+            <p:txBody>
+              <a:bodyPr wrap="square" rtlCol="0">
+                <a:spAutoFit/>
+              </a:bodyPr>
+              <a:lstStyle/>
+              <a:p>
+                <a:pPr/>
+                <a14:m>
+                  <m:oMathPara xmlns:m="http://schemas.openxmlformats.org/officeDocument/2006/math">
+                    <m:oMathParaPr>
+                      <m:jc m:val="centerGroup"/>
+                    </m:oMathParaPr>
+                    <m:oMath xmlns:m="http://schemas.openxmlformats.org/officeDocument/2006/math">
+                      <m:sSub>
+                        <m:sSubPr>
+                          <m:ctrlPr>
+                            <a:rPr lang="en-US" altLang="zh-CN" i="1" smtClean="0">
+                              <a:latin typeface="Cambria Math" panose="02040503050406030204" pitchFamily="18" charset="0"/>
+                            </a:rPr>
+                          </m:ctrlPr>
+                        </m:sSubPr>
+                        <m:e>
+                          <m:r>
+                            <a:rPr lang="en-US" altLang="zh-CN" b="0" i="1" smtClean="0">
+                              <a:latin typeface="Cambria Math" panose="02040503050406030204" pitchFamily="18" charset="0"/>
+                            </a:rPr>
+                            <m:t>h</m:t>
+                          </m:r>
+                        </m:e>
+                        <m:sub>
+                          <m:r>
+                            <a:rPr lang="en-US" altLang="zh-CN" b="0" i="1" smtClean="0">
+                              <a:latin typeface="Cambria Math" panose="02040503050406030204" pitchFamily="18" charset="0"/>
+                            </a:rPr>
+                            <m:t>1</m:t>
+                          </m:r>
+                        </m:sub>
+                      </m:sSub>
+                    </m:oMath>
+                  </m:oMathPara>
+                </a14:m>
+                <a:endParaRPr lang="zh-CN" altLang="en-US" dirty="0"/>
+              </a:p>
+            </p:txBody>
+          </p:sp>
+        </mc:Choice>
+        <mc:Fallback xmlns="">
+          <p:sp>
+            <p:nvSpPr>
+              <p:cNvPr id="42" name="文本框 41">
+                <a:extLst>
+                  <a:ext uri="{FF2B5EF4-FFF2-40B4-BE49-F238E27FC236}">
+                    <a16:creationId xmlns:a16="http://schemas.microsoft.com/office/drawing/2014/main" id="{8EF048C3-3155-41A8-B370-F4601C405099}"/>
+                  </a:ext>
+                </a:extLst>
+              </p:cNvPr>
+              <p:cNvSpPr txBox="1">
+                <a:spLocks noRot="1" noChangeAspect="1" noMove="1" noResize="1" noEditPoints="1" noAdjustHandles="1" noChangeArrowheads="1" noChangeShapeType="1" noTextEdit="1"/>
+              </p:cNvSpPr>
+              <p:nvPr/>
+            </p:nvSpPr>
+            <p:spPr>
+              <a:xfrm>
+                <a:off x="4582472" y="3418066"/>
+                <a:ext cx="357155" cy="369332"/>
+              </a:xfrm>
+              <a:prstGeom prst="rect">
+                <a:avLst/>
+              </a:prstGeom>
+              <a:blipFill>
+                <a:blip r:embed="rId9"/>
+                <a:stretch>
+                  <a:fillRect r="-3448"/>
+                </a:stretch>
+              </a:blipFill>
+            </p:spPr>
+            <p:txBody>
+              <a:bodyPr/>
+              <a:lstStyle/>
+              <a:p>
+                <a:r>
+                  <a:rPr lang="zh-CN" altLang="en-US">
+                    <a:noFill/>
+                  </a:rPr>
+                  <a:t> </a:t>
+                </a:r>
+              </a:p>
+            </p:txBody>
+          </p:sp>
+        </mc:Fallback>
+      </mc:AlternateContent>
+      <mc:AlternateContent xmlns:mc="http://schemas.openxmlformats.org/markup-compatibility/2006" xmlns:a14="http://schemas.microsoft.com/office/drawing/2010/main">
+        <mc:Choice Requires="a14">
+          <p:sp>
+            <p:nvSpPr>
+              <p:cNvPr id="43" name="文本框 42">
+                <a:extLst>
+                  <a:ext uri="{FF2B5EF4-FFF2-40B4-BE49-F238E27FC236}">
+                    <a16:creationId xmlns:a16="http://schemas.microsoft.com/office/drawing/2014/main" id="{9A708CE2-DB76-4A41-8F8A-72292554E0A2}"/>
+                  </a:ext>
+                </a:extLst>
+              </p:cNvPr>
+              <p:cNvSpPr txBox="1"/>
+              <p:nvPr/>
+            </p:nvSpPr>
+            <p:spPr>
+              <a:xfrm>
+                <a:off x="4942472" y="3418066"/>
+                <a:ext cx="357155" cy="369332"/>
+              </a:xfrm>
+              <a:prstGeom prst="rect">
+                <a:avLst/>
+              </a:prstGeom>
+              <a:noFill/>
+            </p:spPr>
+            <p:txBody>
+              <a:bodyPr wrap="square" rtlCol="0">
+                <a:spAutoFit/>
+              </a:bodyPr>
+              <a:lstStyle/>
+              <a:p>
+                <a:pPr/>
+                <a14:m>
+                  <m:oMathPara xmlns:m="http://schemas.openxmlformats.org/officeDocument/2006/math">
+                    <m:oMathParaPr>
+                      <m:jc m:val="centerGroup"/>
+                    </m:oMathParaPr>
+                    <m:oMath xmlns:m="http://schemas.openxmlformats.org/officeDocument/2006/math">
+                      <m:sSub>
+                        <m:sSubPr>
+                          <m:ctrlPr>
+                            <a:rPr lang="en-US" altLang="zh-CN" i="1" smtClean="0">
+                              <a:latin typeface="Cambria Math" panose="02040503050406030204" pitchFamily="18" charset="0"/>
+                            </a:rPr>
+                          </m:ctrlPr>
+                        </m:sSubPr>
+                        <m:e>
+                          <m:r>
+                            <a:rPr lang="en-US" altLang="zh-CN" b="0" i="1" smtClean="0">
+                              <a:latin typeface="Cambria Math" panose="02040503050406030204" pitchFamily="18" charset="0"/>
+                            </a:rPr>
+                            <m:t>h</m:t>
+                          </m:r>
+                        </m:e>
+                        <m:sub>
+                          <m:r>
+                            <a:rPr lang="en-US" altLang="zh-CN" b="0" i="1" smtClean="0">
+                              <a:latin typeface="Cambria Math" panose="02040503050406030204" pitchFamily="18" charset="0"/>
+                            </a:rPr>
+                            <m:t>2</m:t>
+                          </m:r>
+                        </m:sub>
+                      </m:sSub>
+                    </m:oMath>
+                  </m:oMathPara>
+                </a14:m>
+                <a:endParaRPr lang="zh-CN" altLang="en-US" dirty="0"/>
+              </a:p>
+            </p:txBody>
+          </p:sp>
+        </mc:Choice>
+        <mc:Fallback xmlns="">
+          <p:sp>
+            <p:nvSpPr>
+              <p:cNvPr id="43" name="文本框 42">
+                <a:extLst>
+                  <a:ext uri="{FF2B5EF4-FFF2-40B4-BE49-F238E27FC236}">
+                    <a16:creationId xmlns:a16="http://schemas.microsoft.com/office/drawing/2014/main" id="{9A708CE2-DB76-4A41-8F8A-72292554E0A2}"/>
+                  </a:ext>
+                </a:extLst>
+              </p:cNvPr>
+              <p:cNvSpPr txBox="1">
+                <a:spLocks noRot="1" noChangeAspect="1" noMove="1" noResize="1" noEditPoints="1" noAdjustHandles="1" noChangeArrowheads="1" noChangeShapeType="1" noTextEdit="1"/>
+              </p:cNvSpPr>
+              <p:nvPr/>
+            </p:nvSpPr>
+            <p:spPr>
+              <a:xfrm>
+                <a:off x="4942472" y="3418066"/>
+                <a:ext cx="357155" cy="369332"/>
+              </a:xfrm>
+              <a:prstGeom prst="rect">
+                <a:avLst/>
+              </a:prstGeom>
+              <a:blipFill>
+                <a:blip r:embed="rId10"/>
+                <a:stretch>
+                  <a:fillRect r="-5172"/>
+                </a:stretch>
+              </a:blipFill>
+            </p:spPr>
+            <p:txBody>
+              <a:bodyPr/>
+              <a:lstStyle/>
+              <a:p>
+                <a:r>
+                  <a:rPr lang="zh-CN" altLang="en-US">
+                    <a:noFill/>
+                  </a:rPr>
+                  <a:t> </a:t>
+                </a:r>
+              </a:p>
+            </p:txBody>
+          </p:sp>
+        </mc:Fallback>
+      </mc:AlternateContent>
+      <mc:AlternateContent xmlns:mc="http://schemas.openxmlformats.org/markup-compatibility/2006" xmlns:a14="http://schemas.microsoft.com/office/drawing/2010/main">
+        <mc:Choice Requires="a14">
+          <p:sp>
+            <p:nvSpPr>
+              <p:cNvPr id="44" name="文本框 43">
+                <a:extLst>
+                  <a:ext uri="{FF2B5EF4-FFF2-40B4-BE49-F238E27FC236}">
+                    <a16:creationId xmlns:a16="http://schemas.microsoft.com/office/drawing/2014/main" id="{59F0E503-A428-46D1-8AE7-103203AB1246}"/>
+                  </a:ext>
+                </a:extLst>
+              </p:cNvPr>
+              <p:cNvSpPr txBox="1"/>
+              <p:nvPr/>
+            </p:nvSpPr>
+            <p:spPr>
+              <a:xfrm>
+                <a:off x="5302472" y="3418066"/>
+                <a:ext cx="357155" cy="369332"/>
+              </a:xfrm>
+              <a:prstGeom prst="rect">
+                <a:avLst/>
+              </a:prstGeom>
+              <a:noFill/>
+            </p:spPr>
+            <p:txBody>
+              <a:bodyPr wrap="square" rtlCol="0">
+                <a:spAutoFit/>
+              </a:bodyPr>
+              <a:lstStyle/>
+              <a:p>
+                <a:pPr/>
+                <a14:m>
+                  <m:oMathPara xmlns:m="http://schemas.openxmlformats.org/officeDocument/2006/math">
+                    <m:oMathParaPr>
+                      <m:jc m:val="centerGroup"/>
+                    </m:oMathParaPr>
+                    <m:oMath xmlns:m="http://schemas.openxmlformats.org/officeDocument/2006/math">
+                      <m:sSub>
+                        <m:sSubPr>
+                          <m:ctrlPr>
+                            <a:rPr lang="en-US" altLang="zh-CN" i="1" smtClean="0">
+                              <a:latin typeface="Cambria Math" panose="02040503050406030204" pitchFamily="18" charset="0"/>
+                            </a:rPr>
+                          </m:ctrlPr>
+                        </m:sSubPr>
+                        <m:e>
+                          <m:r>
+                            <a:rPr lang="en-US" altLang="zh-CN" b="0" i="1" smtClean="0">
+                              <a:latin typeface="Cambria Math" panose="02040503050406030204" pitchFamily="18" charset="0"/>
+                            </a:rPr>
+                            <m:t>h</m:t>
+                          </m:r>
+                        </m:e>
+                        <m:sub>
+                          <m:r>
+                            <a:rPr lang="en-US" altLang="zh-CN" b="0" i="1" smtClean="0">
+                              <a:latin typeface="Cambria Math" panose="02040503050406030204" pitchFamily="18" charset="0"/>
+                            </a:rPr>
+                            <m:t>3</m:t>
+                          </m:r>
+                        </m:sub>
+                      </m:sSub>
+                    </m:oMath>
+                  </m:oMathPara>
+                </a14:m>
+                <a:endParaRPr lang="zh-CN" altLang="en-US" dirty="0"/>
+              </a:p>
+            </p:txBody>
+          </p:sp>
+        </mc:Choice>
+        <mc:Fallback xmlns="">
+          <p:sp>
+            <p:nvSpPr>
+              <p:cNvPr id="44" name="文本框 43">
+                <a:extLst>
+                  <a:ext uri="{FF2B5EF4-FFF2-40B4-BE49-F238E27FC236}">
+                    <a16:creationId xmlns:a16="http://schemas.microsoft.com/office/drawing/2014/main" id="{59F0E503-A428-46D1-8AE7-103203AB1246}"/>
+                  </a:ext>
+                </a:extLst>
+              </p:cNvPr>
+              <p:cNvSpPr txBox="1">
+                <a:spLocks noRot="1" noChangeAspect="1" noMove="1" noResize="1" noEditPoints="1" noAdjustHandles="1" noChangeArrowheads="1" noChangeShapeType="1" noTextEdit="1"/>
+              </p:cNvSpPr>
+              <p:nvPr/>
+            </p:nvSpPr>
+            <p:spPr>
+              <a:xfrm>
+                <a:off x="5302472" y="3418066"/>
+                <a:ext cx="357155" cy="369332"/>
+              </a:xfrm>
+              <a:prstGeom prst="rect">
+                <a:avLst/>
+              </a:prstGeom>
+              <a:blipFill>
+                <a:blip r:embed="rId11"/>
+                <a:stretch>
+                  <a:fillRect r="-5172"/>
+                </a:stretch>
+              </a:blipFill>
+            </p:spPr>
+            <p:txBody>
+              <a:bodyPr/>
+              <a:lstStyle/>
+              <a:p>
+                <a:r>
+                  <a:rPr lang="zh-CN" altLang="en-US">
+                    <a:noFill/>
+                  </a:rPr>
+                  <a:t> </a:t>
+                </a:r>
+              </a:p>
+            </p:txBody>
+          </p:sp>
+        </mc:Fallback>
+      </mc:AlternateContent>
+      <p:sp>
+        <p:nvSpPr>
+          <p:cNvPr id="45" name="文本框 44">
+            <a:extLst>
+              <a:ext uri="{FF2B5EF4-FFF2-40B4-BE49-F238E27FC236}">
+                <a16:creationId xmlns:a16="http://schemas.microsoft.com/office/drawing/2014/main" id="{33C15641-3627-465D-B7F5-5ED9D496AE78}"/>
+              </a:ext>
+            </a:extLst>
+          </p:cNvPr>
+          <p:cNvSpPr txBox="1"/>
+          <p:nvPr/>
+        </p:nvSpPr>
+        <p:spPr>
+          <a:xfrm>
+            <a:off x="5662472" y="3418066"/>
+            <a:ext cx="357155" cy="369332"/>
+          </a:xfrm>
+          <a:prstGeom prst="rect">
+            <a:avLst/>
+          </a:prstGeom>
+          <a:noFill/>
+        </p:spPr>
+        <p:txBody>
+          <a:bodyPr wrap="square" rtlCol="0">
+            <a:spAutoFit/>
+          </a:bodyPr>
+          <a:lstStyle/>
+          <a:p>
+            <a:r>
+              <a:rPr lang="en-US" altLang="zh-CN" dirty="0"/>
+              <a:t>…</a:t>
+            </a:r>
+            <a:endParaRPr lang="zh-CN" altLang="en-US" dirty="0"/>
+          </a:p>
+        </p:txBody>
+      </p:sp>
+      <mc:AlternateContent xmlns:mc="http://schemas.openxmlformats.org/markup-compatibility/2006" xmlns:a14="http://schemas.microsoft.com/office/drawing/2010/main">
+        <mc:Choice Requires="a14">
+          <p:sp>
+            <p:nvSpPr>
+              <p:cNvPr id="46" name="文本框 45">
+                <a:extLst>
+                  <a:ext uri="{FF2B5EF4-FFF2-40B4-BE49-F238E27FC236}">
+                    <a16:creationId xmlns:a16="http://schemas.microsoft.com/office/drawing/2014/main" id="{C18584DB-96A9-4DC7-8D15-5F2AE48A0BE0}"/>
+                  </a:ext>
+                </a:extLst>
+              </p:cNvPr>
+              <p:cNvSpPr txBox="1"/>
+              <p:nvPr/>
+            </p:nvSpPr>
+            <p:spPr>
+              <a:xfrm>
+                <a:off x="5951984" y="3450466"/>
+                <a:ext cx="360040" cy="292388"/>
+              </a:xfrm>
+              <a:prstGeom prst="rect">
+                <a:avLst/>
+              </a:prstGeom>
+              <a:noFill/>
+            </p:spPr>
+            <p:txBody>
+              <a:bodyPr wrap="square" rtlCol="0">
+                <a:spAutoFit/>
+              </a:bodyPr>
+              <a:lstStyle/>
+              <a:p>
+                <a:pPr/>
+                <a14:m>
+                  <m:oMathPara xmlns:m="http://schemas.openxmlformats.org/officeDocument/2006/math">
+                    <m:oMathParaPr>
+                      <m:jc m:val="centerGroup"/>
+                    </m:oMathParaPr>
+                    <m:oMath xmlns:m="http://schemas.openxmlformats.org/officeDocument/2006/math">
+                      <m:sSub>
+                        <m:sSubPr>
+                          <m:ctrlPr>
+                            <a:rPr lang="en-US" altLang="zh-CN" sz="1300" i="1" smtClean="0">
+                              <a:latin typeface="Cambria Math" panose="02040503050406030204" pitchFamily="18" charset="0"/>
+                            </a:rPr>
+                          </m:ctrlPr>
+                        </m:sSubPr>
+                        <m:e>
+                          <m:r>
+                            <a:rPr lang="en-US" altLang="zh-CN" sz="1300" b="0" i="1" smtClean="0">
+                              <a:latin typeface="Cambria Math" panose="02040503050406030204" pitchFamily="18" charset="0"/>
+                            </a:rPr>
+                            <m:t>h</m:t>
+                          </m:r>
+                        </m:e>
+                        <m:sub>
+                          <m:r>
+                            <a:rPr lang="en-US" altLang="zh-CN" sz="1300" b="0" i="1" smtClean="0">
+                              <a:latin typeface="Cambria Math" panose="02040503050406030204" pitchFamily="18" charset="0"/>
+                            </a:rPr>
+                            <m:t>𝑏</m:t>
+                          </m:r>
+                          <m:r>
+                            <a:rPr lang="en-US" altLang="zh-CN" sz="1300" b="0" i="1" smtClean="0">
+                              <a:latin typeface="Cambria Math" panose="02040503050406030204" pitchFamily="18" charset="0"/>
+                            </a:rPr>
+                            <m:t>−2</m:t>
+                          </m:r>
+                        </m:sub>
+                      </m:sSub>
+                    </m:oMath>
+                  </m:oMathPara>
+                </a14:m>
+                <a:endParaRPr lang="zh-CN" altLang="en-US" sz="1300" dirty="0"/>
+              </a:p>
+            </p:txBody>
+          </p:sp>
+        </mc:Choice>
+        <mc:Fallback xmlns="">
+          <p:sp>
+            <p:nvSpPr>
+              <p:cNvPr id="46" name="文本框 45">
+                <a:extLst>
+                  <a:ext uri="{FF2B5EF4-FFF2-40B4-BE49-F238E27FC236}">
+                    <a16:creationId xmlns:a16="http://schemas.microsoft.com/office/drawing/2014/main" id="{C18584DB-96A9-4DC7-8D15-5F2AE48A0BE0}"/>
+                  </a:ext>
+                </a:extLst>
+              </p:cNvPr>
+              <p:cNvSpPr txBox="1">
+                <a:spLocks noRot="1" noChangeAspect="1" noMove="1" noResize="1" noEditPoints="1" noAdjustHandles="1" noChangeArrowheads="1" noChangeShapeType="1" noTextEdit="1"/>
+              </p:cNvSpPr>
+              <p:nvPr/>
+            </p:nvSpPr>
+            <p:spPr>
+              <a:xfrm>
+                <a:off x="5951984" y="3450466"/>
+                <a:ext cx="360040" cy="292388"/>
+              </a:xfrm>
+              <a:prstGeom prst="rect">
+                <a:avLst/>
+              </a:prstGeom>
+              <a:blipFill>
+                <a:blip r:embed="rId12"/>
+                <a:stretch>
+                  <a:fillRect r="-28814"/>
+                </a:stretch>
+              </a:blipFill>
+            </p:spPr>
+            <p:txBody>
+              <a:bodyPr/>
+              <a:lstStyle/>
+              <a:p>
+                <a:r>
+                  <a:rPr lang="zh-CN" altLang="en-US">
+                    <a:noFill/>
+                  </a:rPr>
+                  <a:t> </a:t>
+                </a:r>
+              </a:p>
+            </p:txBody>
+          </p:sp>
+        </mc:Fallback>
+      </mc:AlternateContent>
+      <mc:AlternateContent xmlns:mc="http://schemas.openxmlformats.org/markup-compatibility/2006" xmlns:a14="http://schemas.microsoft.com/office/drawing/2010/main">
+        <mc:Choice Requires="a14">
+          <p:sp>
+            <p:nvSpPr>
+              <p:cNvPr id="47" name="文本框 46">
+                <a:extLst>
+                  <a:ext uri="{FF2B5EF4-FFF2-40B4-BE49-F238E27FC236}">
+                    <a16:creationId xmlns:a16="http://schemas.microsoft.com/office/drawing/2014/main" id="{7AA268C1-DEC2-42D8-9CA8-DA3D2CAD8D69}"/>
+                  </a:ext>
+                </a:extLst>
+              </p:cNvPr>
+              <p:cNvSpPr txBox="1"/>
+              <p:nvPr/>
+            </p:nvSpPr>
+            <p:spPr>
+              <a:xfrm>
+                <a:off x="6310472" y="3450466"/>
+                <a:ext cx="357155" cy="292388"/>
+              </a:xfrm>
+              <a:prstGeom prst="rect">
+                <a:avLst/>
+              </a:prstGeom>
+              <a:noFill/>
+            </p:spPr>
+            <p:txBody>
+              <a:bodyPr wrap="square" rtlCol="0">
+                <a:spAutoFit/>
+              </a:bodyPr>
+              <a:lstStyle/>
+              <a:p>
+                <a:pPr/>
+                <a14:m>
+                  <m:oMathPara xmlns:m="http://schemas.openxmlformats.org/officeDocument/2006/math">
+                    <m:oMathParaPr>
+                      <m:jc m:val="centerGroup"/>
+                    </m:oMathParaPr>
+                    <m:oMath xmlns:m="http://schemas.openxmlformats.org/officeDocument/2006/math">
+                      <m:sSub>
+                        <m:sSubPr>
+                          <m:ctrlPr>
+                            <a:rPr lang="en-US" altLang="zh-CN" sz="1300" i="1" smtClean="0">
+                              <a:latin typeface="Cambria Math" panose="02040503050406030204" pitchFamily="18" charset="0"/>
+                            </a:rPr>
+                          </m:ctrlPr>
+                        </m:sSubPr>
+                        <m:e>
+                          <m:r>
+                            <a:rPr lang="en-US" altLang="zh-CN" sz="1300" b="0" i="1" smtClean="0">
+                              <a:latin typeface="Cambria Math" panose="02040503050406030204" pitchFamily="18" charset="0"/>
+                            </a:rPr>
+                            <m:t>h</m:t>
+                          </m:r>
+                        </m:e>
+                        <m:sub>
+                          <m:r>
+                            <a:rPr lang="en-US" altLang="zh-CN" sz="1300" b="0" i="1" smtClean="0">
+                              <a:latin typeface="Cambria Math" panose="02040503050406030204" pitchFamily="18" charset="0"/>
+                            </a:rPr>
+                            <m:t>𝑏</m:t>
+                          </m:r>
+                          <m:r>
+                            <a:rPr lang="en-US" altLang="zh-CN" sz="1300" b="0" i="1" smtClean="0">
+                              <a:latin typeface="Cambria Math" panose="02040503050406030204" pitchFamily="18" charset="0"/>
+                            </a:rPr>
+                            <m:t>−1</m:t>
+                          </m:r>
+                        </m:sub>
+                      </m:sSub>
+                    </m:oMath>
+                  </m:oMathPara>
+                </a14:m>
+                <a:endParaRPr lang="zh-CN" altLang="en-US" sz="1300" dirty="0"/>
+              </a:p>
+            </p:txBody>
+          </p:sp>
+        </mc:Choice>
+        <mc:Fallback xmlns="">
+          <p:sp>
+            <p:nvSpPr>
+              <p:cNvPr id="47" name="文本框 46">
+                <a:extLst>
+                  <a:ext uri="{FF2B5EF4-FFF2-40B4-BE49-F238E27FC236}">
+                    <a16:creationId xmlns:a16="http://schemas.microsoft.com/office/drawing/2014/main" id="{7AA268C1-DEC2-42D8-9CA8-DA3D2CAD8D69}"/>
+                  </a:ext>
+                </a:extLst>
+              </p:cNvPr>
+              <p:cNvSpPr txBox="1">
+                <a:spLocks noRot="1" noChangeAspect="1" noMove="1" noResize="1" noEditPoints="1" noAdjustHandles="1" noChangeArrowheads="1" noChangeShapeType="1" noTextEdit="1"/>
+              </p:cNvSpPr>
+              <p:nvPr/>
+            </p:nvSpPr>
+            <p:spPr>
+              <a:xfrm>
+                <a:off x="6310472" y="3450466"/>
+                <a:ext cx="357155" cy="292388"/>
+              </a:xfrm>
+              <a:prstGeom prst="rect">
+                <a:avLst/>
+              </a:prstGeom>
+              <a:blipFill>
+                <a:blip r:embed="rId13"/>
+                <a:stretch>
+                  <a:fillRect r="-28814"/>
+                </a:stretch>
+              </a:blipFill>
+            </p:spPr>
+            <p:txBody>
+              <a:bodyPr/>
+              <a:lstStyle/>
+              <a:p>
+                <a:r>
+                  <a:rPr lang="zh-CN" altLang="en-US">
+                    <a:noFill/>
+                  </a:rPr>
+                  <a:t> </a:t>
+                </a:r>
+              </a:p>
+            </p:txBody>
+          </p:sp>
+        </mc:Fallback>
+      </mc:AlternateContent>
+      <p:pic>
+        <p:nvPicPr>
+          <p:cNvPr id="60" name="图片 59">
+            <a:extLst>
+              <a:ext uri="{FF2B5EF4-FFF2-40B4-BE49-F238E27FC236}">
+                <a16:creationId xmlns:a16="http://schemas.microsoft.com/office/drawing/2014/main" id="{DFEE7D5C-70FF-4293-8785-9706E5744AE2}"/>
+              </a:ext>
+            </a:extLst>
+          </p:cNvPr>
+          <p:cNvPicPr>
+            <a:picLocks noChangeAspect="1"/>
+          </p:cNvPicPr>
+          <p:nvPr/>
+        </p:nvPicPr>
+        <p:blipFill>
+          <a:blip r:embed="rId14"/>
+          <a:stretch>
+            <a:fillRect/>
+          </a:stretch>
+        </p:blipFill>
+        <p:spPr>
+          <a:xfrm>
+            <a:off x="915533" y="1501168"/>
+            <a:ext cx="1661160" cy="2552700"/>
+          </a:xfrm>
+          <a:prstGeom prst="rect">
+            <a:avLst/>
+          </a:prstGeom>
+        </p:spPr>
+      </p:pic>
+      <p:sp>
+        <p:nvSpPr>
+          <p:cNvPr id="61" name="矩形: 圆角 60">
+            <a:extLst>
+              <a:ext uri="{FF2B5EF4-FFF2-40B4-BE49-F238E27FC236}">
+                <a16:creationId xmlns:a16="http://schemas.microsoft.com/office/drawing/2014/main" id="{D10C3143-AC8D-42CA-B606-30591797C6B4}"/>
+              </a:ext>
+            </a:extLst>
+          </p:cNvPr>
+          <p:cNvSpPr/>
+          <p:nvPr/>
+        </p:nvSpPr>
+        <p:spPr>
+          <a:xfrm>
+            <a:off x="3143672" y="1772816"/>
+            <a:ext cx="3599998" cy="1008112"/>
+          </a:xfrm>
+          <a:prstGeom prst="roundRect">
+            <a:avLst/>
+          </a:prstGeom>
+          <a:noFill/>
+          <a:ln>
+            <a:solidFill>
+              <a:srgbClr val="00B050"/>
+            </a:solidFill>
+          </a:ln>
+        </p:spPr>
+        <p:style>
+          <a:lnRef idx="2">
+            <a:schemeClr val="accent1">
+              <a:shade val="50000"/>
+            </a:schemeClr>
+          </a:lnRef>
+          <a:fillRef idx="1">
+            <a:schemeClr val="accent1"/>
+          </a:fillRef>
+          <a:effectRef idx="0">
+            <a:schemeClr val="accent1"/>
+          </a:effectRef>
+          <a:fontRef idx="minor">
+            <a:schemeClr val="lt1"/>
+          </a:fontRef>
+        </p:style>
+        <p:txBody>
+          <a:bodyPr rtlCol="0" anchor="ctr"/>
+          <a:lstStyle/>
+          <a:p>
+            <a:pPr algn="ctr"/>
+            <a:endParaRPr lang="zh-CN" altLang="en-US"/>
+          </a:p>
+        </p:txBody>
+      </p:sp>
+      <p:sp>
+        <p:nvSpPr>
+          <p:cNvPr id="63" name="文本框 62">
+            <a:extLst>
+              <a:ext uri="{FF2B5EF4-FFF2-40B4-BE49-F238E27FC236}">
+                <a16:creationId xmlns:a16="http://schemas.microsoft.com/office/drawing/2014/main" id="{1B36E428-562A-422D-A016-D4B64F9D227D}"/>
+              </a:ext>
+            </a:extLst>
+          </p:cNvPr>
+          <p:cNvSpPr txBox="1"/>
+          <p:nvPr/>
+        </p:nvSpPr>
+        <p:spPr>
+          <a:xfrm>
+            <a:off x="3143672" y="1763850"/>
+            <a:ext cx="1872208" cy="261610"/>
+          </a:xfrm>
+          <a:prstGeom prst="rect">
+            <a:avLst/>
+          </a:prstGeom>
+          <a:noFill/>
+        </p:spPr>
+        <p:txBody>
+          <a:bodyPr wrap="square" rtlCol="0">
+            <a:spAutoFit/>
+          </a:bodyPr>
+          <a:lstStyle/>
+          <a:p>
+            <a:r>
+              <a:rPr lang="en-US" altLang="zh-CN" sz="1100" dirty="0"/>
+              <a:t>Bitsets in low value end</a:t>
+            </a:r>
+            <a:endParaRPr lang="zh-CN" altLang="en-US" sz="1100" dirty="0"/>
+          </a:p>
+        </p:txBody>
+      </p:sp>
+      <p:cxnSp>
+        <p:nvCxnSpPr>
+          <p:cNvPr id="65" name="直接连接符 64">
+            <a:extLst>
+              <a:ext uri="{FF2B5EF4-FFF2-40B4-BE49-F238E27FC236}">
+                <a16:creationId xmlns:a16="http://schemas.microsoft.com/office/drawing/2014/main" id="{4AFFE8BD-B802-445C-8E23-E8854B5F766A}"/>
+              </a:ext>
+            </a:extLst>
+          </p:cNvPr>
+          <p:cNvCxnSpPr/>
+          <p:nvPr/>
+        </p:nvCxnSpPr>
+        <p:spPr>
+          <a:xfrm flipH="1">
+            <a:off x="5879976" y="2060848"/>
+            <a:ext cx="787651" cy="0"/>
+          </a:xfrm>
+          <a:prstGeom prst="line">
+            <a:avLst/>
+          </a:prstGeom>
+        </p:spPr>
+        <p:style>
+          <a:lnRef idx="1">
+            <a:schemeClr val="accent1"/>
+          </a:lnRef>
+          <a:fillRef idx="0">
+            <a:schemeClr val="accent1"/>
+          </a:fillRef>
+          <a:effectRef idx="0">
+            <a:schemeClr val="accent1"/>
+          </a:effectRef>
+          <a:fontRef idx="minor">
+            <a:schemeClr val="tx1"/>
+          </a:fontRef>
+        </p:style>
+      </p:cxnSp>
+      <p:cxnSp>
+        <p:nvCxnSpPr>
+          <p:cNvPr id="66" name="直接连接符 65">
+            <a:extLst>
+              <a:ext uri="{FF2B5EF4-FFF2-40B4-BE49-F238E27FC236}">
+                <a16:creationId xmlns:a16="http://schemas.microsoft.com/office/drawing/2014/main" id="{60DADD98-D7F7-4965-9AAF-BC66F4B909BE}"/>
+              </a:ext>
+            </a:extLst>
+          </p:cNvPr>
+          <p:cNvCxnSpPr>
+            <a:cxnSpLocks/>
+          </p:cNvCxnSpPr>
+          <p:nvPr/>
+        </p:nvCxnSpPr>
+        <p:spPr>
+          <a:xfrm flipH="1">
+            <a:off x="5375920" y="2276872"/>
+            <a:ext cx="1291708" cy="0"/>
+          </a:xfrm>
+          <a:prstGeom prst="line">
+            <a:avLst/>
+          </a:prstGeom>
+        </p:spPr>
+        <p:style>
+          <a:lnRef idx="1">
+            <a:schemeClr val="accent1"/>
+          </a:lnRef>
+          <a:fillRef idx="0">
+            <a:schemeClr val="accent1"/>
+          </a:fillRef>
+          <a:effectRef idx="0">
+            <a:schemeClr val="accent1"/>
+          </a:effectRef>
+          <a:fontRef idx="minor">
+            <a:schemeClr val="tx1"/>
+          </a:fontRef>
+        </p:style>
+      </p:cxnSp>
+      <p:cxnSp>
+        <p:nvCxnSpPr>
+          <p:cNvPr id="67" name="直接连接符 66">
+            <a:extLst>
+              <a:ext uri="{FF2B5EF4-FFF2-40B4-BE49-F238E27FC236}">
+                <a16:creationId xmlns:a16="http://schemas.microsoft.com/office/drawing/2014/main" id="{106477CC-B0D3-483A-8A39-E7D8B41146DD}"/>
+              </a:ext>
+            </a:extLst>
+          </p:cNvPr>
+          <p:cNvCxnSpPr>
+            <a:cxnSpLocks/>
+          </p:cNvCxnSpPr>
+          <p:nvPr/>
+        </p:nvCxnSpPr>
+        <p:spPr>
+          <a:xfrm flipH="1">
+            <a:off x="4580950" y="2564904"/>
+            <a:ext cx="2086678" cy="0"/>
+          </a:xfrm>
+          <a:prstGeom prst="line">
+            <a:avLst/>
+          </a:prstGeom>
+        </p:spPr>
+        <p:style>
+          <a:lnRef idx="1">
+            <a:schemeClr val="accent1"/>
+          </a:lnRef>
+          <a:fillRef idx="0">
+            <a:schemeClr val="accent1"/>
+          </a:fillRef>
+          <a:effectRef idx="0">
+            <a:schemeClr val="accent1"/>
+          </a:effectRef>
+          <a:fontRef idx="minor">
+            <a:schemeClr val="tx1"/>
+          </a:fontRef>
+        </p:style>
+      </p:cxnSp>
+      <mc:AlternateContent xmlns:mc="http://schemas.openxmlformats.org/markup-compatibility/2006" xmlns:a14="http://schemas.microsoft.com/office/drawing/2010/main">
+        <mc:Choice Requires="a14">
+          <p:sp>
+            <p:nvSpPr>
+              <p:cNvPr id="70" name="文本框 69">
+                <a:extLst>
+                  <a:ext uri="{FF2B5EF4-FFF2-40B4-BE49-F238E27FC236}">
+                    <a16:creationId xmlns:a16="http://schemas.microsoft.com/office/drawing/2014/main" id="{11F2F382-7AF5-4AEF-9095-048BCE31C7FD}"/>
+                  </a:ext>
+                </a:extLst>
+              </p:cNvPr>
+              <p:cNvSpPr txBox="1"/>
+              <p:nvPr/>
+            </p:nvSpPr>
+            <p:spPr>
+              <a:xfrm>
+                <a:off x="3539716" y="2392972"/>
+                <a:ext cx="1368152" cy="293157"/>
+              </a:xfrm>
+              <a:prstGeom prst="rect">
+                <a:avLst/>
+              </a:prstGeom>
+              <a:noFill/>
+            </p:spPr>
+            <p:txBody>
+              <a:bodyPr wrap="square" rtlCol="0">
+                <a:spAutoFit/>
+              </a:bodyPr>
+              <a:lstStyle/>
+              <a:p>
+                <a:pPr/>
+                <a14:m>
+                  <m:oMathPara xmlns:m="http://schemas.openxmlformats.org/officeDocument/2006/math">
+                    <m:oMathParaPr>
+                      <m:jc m:val="centerGroup"/>
+                    </m:oMathParaPr>
+                    <m:oMath xmlns:m="http://schemas.openxmlformats.org/officeDocument/2006/math">
+                      <m:sSup>
+                        <m:sSupPr>
+                          <m:ctrlPr>
+                            <a:rPr lang="en-US" altLang="zh-CN" sz="1100" i="1" smtClean="0">
+                              <a:latin typeface="Cambria Math" panose="02040503050406030204" pitchFamily="18" charset="0"/>
+                            </a:rPr>
+                          </m:ctrlPr>
+                        </m:sSupPr>
+                        <m:e>
+                          <m:r>
+                            <a:rPr lang="en-US" altLang="zh-CN" sz="1100" b="0" i="1" smtClean="0">
+                              <a:latin typeface="Cambria Math" panose="02040503050406030204" pitchFamily="18" charset="0"/>
+                            </a:rPr>
+                            <m:t>𝐵</m:t>
+                          </m:r>
+                          <m:r>
+                            <m:rPr>
+                              <m:sty m:val="p"/>
+                            </m:rPr>
+                            <a:rPr lang="en-US" altLang="zh-CN" sz="1100" i="1">
+                              <a:latin typeface="Cambria Math" panose="02040503050406030204" pitchFamily="18" charset="0"/>
+                            </a:rPr>
+                            <m:t>i</m:t>
+                          </m:r>
+                          <m:r>
+                            <a:rPr lang="en-US" altLang="zh-CN" sz="1100" b="0" i="1" smtClean="0">
+                              <a:latin typeface="Cambria Math" panose="02040503050406030204" pitchFamily="18" charset="0"/>
+                            </a:rPr>
+                            <m:t>𝑡𝑠𝑒𝑡</m:t>
+                          </m:r>
+                        </m:e>
+                        <m:sup>
+                          <m:sSup>
+                            <m:sSupPr>
+                              <m:ctrlPr>
+                                <a:rPr lang="en-US" altLang="zh-CN" sz="1100" b="0" i="1" smtClean="0">
+                                  <a:latin typeface="Cambria Math" panose="02040503050406030204" pitchFamily="18" charset="0"/>
+                                </a:rPr>
+                              </m:ctrlPr>
+                            </m:sSupPr>
+                            <m:e>
+                              <m:r>
+                                <a:rPr lang="en-US" altLang="zh-CN" sz="1100" b="0" i="1" smtClean="0">
+                                  <a:latin typeface="Cambria Math" panose="02040503050406030204" pitchFamily="18" charset="0"/>
+                                </a:rPr>
+                                <m:t>2</m:t>
+                              </m:r>
+                            </m:e>
+                            <m:sup>
+                              <m:sSub>
+                                <m:sSubPr>
+                                  <m:ctrlPr>
+                                    <a:rPr lang="en-US" altLang="zh-CN" sz="1100" b="0" i="1" smtClean="0">
+                                      <a:latin typeface="Cambria Math" panose="02040503050406030204" pitchFamily="18" charset="0"/>
+                                    </a:rPr>
+                                  </m:ctrlPr>
+                                </m:sSubPr>
+                                <m:e>
+                                  <m:r>
+                                    <a:rPr lang="en-US" altLang="zh-CN" sz="1100" b="0" i="1" smtClean="0">
+                                      <a:latin typeface="Cambria Math" panose="02040503050406030204" pitchFamily="18" charset="0"/>
+                                    </a:rPr>
+                                    <m:t>𝑏</m:t>
+                                  </m:r>
+                                </m:e>
+                                <m:sub>
+                                  <m:r>
+                                    <a:rPr lang="en-US" altLang="zh-CN" sz="1100" b="0" i="1" smtClean="0">
+                                      <a:latin typeface="Cambria Math" panose="02040503050406030204" pitchFamily="18" charset="0"/>
+                                    </a:rPr>
+                                    <m:t>𝑒</m:t>
+                                  </m:r>
+                                </m:sub>
+                              </m:sSub>
+                            </m:sup>
+                          </m:sSup>
+                          <m:r>
+                            <a:rPr lang="en-US" altLang="zh-CN" sz="1100" i="1">
+                              <a:latin typeface="Cambria Math" panose="02040503050406030204" pitchFamily="18" charset="0"/>
+                            </a:rPr>
+                            <m:t>−</m:t>
+                          </m:r>
+                          <m:r>
+                            <a:rPr lang="en-US" altLang="zh-CN" sz="1100" b="0" i="1" smtClean="0">
+                              <a:latin typeface="Cambria Math" panose="02040503050406030204" pitchFamily="18" charset="0"/>
+                            </a:rPr>
+                            <m:t>1</m:t>
+                          </m:r>
+                        </m:sup>
+                      </m:sSup>
+                    </m:oMath>
+                  </m:oMathPara>
+                </a14:m>
+                <a:endParaRPr lang="zh-CN" altLang="en-US" sz="1100" dirty="0"/>
+              </a:p>
+            </p:txBody>
+          </p:sp>
+        </mc:Choice>
+        <mc:Fallback xmlns="">
+          <p:sp>
+            <p:nvSpPr>
+              <p:cNvPr id="70" name="文本框 69">
+                <a:extLst>
+                  <a:ext uri="{FF2B5EF4-FFF2-40B4-BE49-F238E27FC236}">
+                    <a16:creationId xmlns:a16="http://schemas.microsoft.com/office/drawing/2014/main" id="{11F2F382-7AF5-4AEF-9095-048BCE31C7FD}"/>
+                  </a:ext>
+                </a:extLst>
+              </p:cNvPr>
+              <p:cNvSpPr txBox="1">
+                <a:spLocks noRot="1" noChangeAspect="1" noMove="1" noResize="1" noEditPoints="1" noAdjustHandles="1" noChangeArrowheads="1" noChangeShapeType="1" noTextEdit="1"/>
+              </p:cNvSpPr>
+              <p:nvPr/>
+            </p:nvSpPr>
+            <p:spPr>
+              <a:xfrm>
+                <a:off x="3539716" y="2392972"/>
+                <a:ext cx="1368152" cy="293157"/>
+              </a:xfrm>
+              <a:prstGeom prst="rect">
+                <a:avLst/>
+              </a:prstGeom>
+              <a:blipFill>
+                <a:blip r:embed="rId15"/>
+                <a:stretch>
+                  <a:fillRect/>
+                </a:stretch>
+              </a:blipFill>
+            </p:spPr>
+            <p:txBody>
+              <a:bodyPr/>
+              <a:lstStyle/>
+              <a:p>
+                <a:r>
+                  <a:rPr lang="zh-CN" altLang="en-US">
+                    <a:noFill/>
+                  </a:rPr>
+                  <a:t> </a:t>
+                </a:r>
+              </a:p>
+            </p:txBody>
+          </p:sp>
+        </mc:Fallback>
+      </mc:AlternateContent>
+      <mc:AlternateContent xmlns:mc="http://schemas.openxmlformats.org/markup-compatibility/2006">
+        <mc:Choice xmlns:a14="http://schemas.microsoft.com/office/drawing/2010/main" Requires="a14">
+          <p:sp>
+            <p:nvSpPr>
+              <p:cNvPr id="71" name="文本框 70">
+                <a:extLst>
+                  <a:ext uri="{FF2B5EF4-FFF2-40B4-BE49-F238E27FC236}">
+                    <a16:creationId xmlns:a16="http://schemas.microsoft.com/office/drawing/2014/main" id="{9E3C5BDB-DAE1-4F63-B8FF-99FD3B58A17C}"/>
+                  </a:ext>
+                </a:extLst>
+              </p:cNvPr>
+              <p:cNvSpPr txBox="1"/>
+              <p:nvPr/>
+            </p:nvSpPr>
+            <p:spPr>
+              <a:xfrm>
+                <a:off x="4352449" y="2124334"/>
+                <a:ext cx="1368152" cy="261610"/>
+              </a:xfrm>
+              <a:prstGeom prst="rect">
+                <a:avLst/>
+              </a:prstGeom>
+              <a:noFill/>
+            </p:spPr>
+            <p:txBody>
+              <a:bodyPr wrap="square" rtlCol="0">
+                <a:spAutoFit/>
+              </a:bodyPr>
+              <a:lstStyle/>
+              <a:p>
+                <a:pPr/>
+                <a14:m>
+                  <m:oMathPara xmlns:m="http://schemas.openxmlformats.org/officeDocument/2006/math">
+                    <m:oMathParaPr>
+                      <m:jc m:val="centerGroup"/>
+                    </m:oMathParaPr>
+                    <m:oMath xmlns:m="http://schemas.openxmlformats.org/officeDocument/2006/math">
+                      <m:sSup>
+                        <m:sSupPr>
+                          <m:ctrlPr>
+                            <a:rPr lang="en-US" altLang="zh-CN" sz="1100" i="1" smtClean="0">
+                              <a:latin typeface="Cambria Math" panose="02040503050406030204" pitchFamily="18" charset="0"/>
+                            </a:rPr>
+                          </m:ctrlPr>
+                        </m:sSupPr>
+                        <m:e>
+                          <m:r>
+                            <a:rPr lang="en-US" altLang="zh-CN" sz="1100" b="0" i="1" smtClean="0">
+                              <a:latin typeface="Cambria Math" panose="02040503050406030204" pitchFamily="18" charset="0"/>
+                            </a:rPr>
+                            <m:t>𝐵</m:t>
+                          </m:r>
+                          <m:r>
+                            <m:rPr>
+                              <m:sty m:val="p"/>
+                            </m:rPr>
+                            <a:rPr lang="en-US" altLang="zh-CN" sz="1100" i="1">
+                              <a:latin typeface="Cambria Math" panose="02040503050406030204" pitchFamily="18" charset="0"/>
+                            </a:rPr>
+                            <m:t>i</m:t>
+                          </m:r>
+                          <m:r>
+                            <a:rPr lang="en-US" altLang="zh-CN" sz="1100" b="0" i="1" smtClean="0">
+                              <a:latin typeface="Cambria Math" panose="02040503050406030204" pitchFamily="18" charset="0"/>
+                            </a:rPr>
+                            <m:t>𝑡𝑠𝑒𝑡</m:t>
+                          </m:r>
+                        </m:e>
+                        <m:sup>
+                          <m:r>
+                            <a:rPr lang="en-US" altLang="zh-CN" sz="1100" b="0" i="1" smtClean="0">
+                              <a:latin typeface="Cambria Math" panose="02040503050406030204" pitchFamily="18" charset="0"/>
+                            </a:rPr>
+                            <m:t>1</m:t>
+                          </m:r>
+                        </m:sup>
+                      </m:sSup>
+                    </m:oMath>
+                  </m:oMathPara>
+                </a14:m>
+                <a:endParaRPr lang="zh-CN" altLang="en-US" sz="1100" dirty="0"/>
+              </a:p>
+            </p:txBody>
+          </p:sp>
+        </mc:Choice>
+        <mc:Fallback>
+          <p:sp>
+            <p:nvSpPr>
+              <p:cNvPr id="71" name="文本框 70">
+                <a:extLst>
+                  <a:ext uri="{FF2B5EF4-FFF2-40B4-BE49-F238E27FC236}">
+                    <a16:creationId xmlns:a16="http://schemas.microsoft.com/office/drawing/2014/main" id="{9E3C5BDB-DAE1-4F63-B8FF-99FD3B58A17C}"/>
+                  </a:ext>
+                </a:extLst>
+              </p:cNvPr>
+              <p:cNvSpPr txBox="1">
+                <a:spLocks noRot="1" noChangeAspect="1" noMove="1" noResize="1" noEditPoints="1" noAdjustHandles="1" noChangeArrowheads="1" noChangeShapeType="1" noTextEdit="1"/>
+              </p:cNvSpPr>
+              <p:nvPr/>
+            </p:nvSpPr>
+            <p:spPr>
+              <a:xfrm>
+                <a:off x="4352449" y="2124334"/>
+                <a:ext cx="1368152" cy="261610"/>
+              </a:xfrm>
+              <a:prstGeom prst="rect">
+                <a:avLst/>
+              </a:prstGeom>
+              <a:blipFill>
+                <a:blip r:embed="rId16"/>
+                <a:stretch>
+                  <a:fillRect/>
+                </a:stretch>
+              </a:blipFill>
+            </p:spPr>
+            <p:txBody>
+              <a:bodyPr/>
+              <a:lstStyle/>
+              <a:p>
+                <a:r>
+                  <a:rPr lang="zh-CN" altLang="en-US">
+                    <a:noFill/>
+                  </a:rPr>
+                  <a:t> </a:t>
+                </a:r>
+              </a:p>
+            </p:txBody>
+          </p:sp>
+        </mc:Fallback>
+      </mc:AlternateContent>
+      <mc:AlternateContent xmlns:mc="http://schemas.openxmlformats.org/markup-compatibility/2006" xmlns:a14="http://schemas.microsoft.com/office/drawing/2010/main">
+        <mc:Choice Requires="a14">
+          <p:sp>
+            <p:nvSpPr>
+              <p:cNvPr id="72" name="文本框 71">
+                <a:extLst>
+                  <a:ext uri="{FF2B5EF4-FFF2-40B4-BE49-F238E27FC236}">
+                    <a16:creationId xmlns:a16="http://schemas.microsoft.com/office/drawing/2014/main" id="{0132094E-1D39-40F7-80C7-AB44536B7295}"/>
+                  </a:ext>
+                </a:extLst>
+              </p:cNvPr>
+              <p:cNvSpPr txBox="1"/>
+              <p:nvPr/>
+            </p:nvSpPr>
+            <p:spPr>
+              <a:xfrm>
+                <a:off x="4825962" y="1934169"/>
+                <a:ext cx="1368152" cy="261610"/>
+              </a:xfrm>
+              <a:prstGeom prst="rect">
+                <a:avLst/>
+              </a:prstGeom>
+              <a:noFill/>
+            </p:spPr>
+            <p:txBody>
+              <a:bodyPr wrap="square" rtlCol="0">
+                <a:spAutoFit/>
+              </a:bodyPr>
+              <a:lstStyle/>
+              <a:p>
+                <a:pPr/>
+                <a14:m>
+                  <m:oMathPara xmlns:m="http://schemas.openxmlformats.org/officeDocument/2006/math">
+                    <m:oMathParaPr>
+                      <m:jc m:val="centerGroup"/>
+                    </m:oMathParaPr>
+                    <m:oMath xmlns:m="http://schemas.openxmlformats.org/officeDocument/2006/math">
+                      <m:sSup>
+                        <m:sSupPr>
+                          <m:ctrlPr>
+                            <a:rPr lang="en-US" altLang="zh-CN" sz="1100" i="1" smtClean="0">
+                              <a:latin typeface="Cambria Math" panose="02040503050406030204" pitchFamily="18" charset="0"/>
+                            </a:rPr>
+                          </m:ctrlPr>
+                        </m:sSupPr>
+                        <m:e>
+                          <m:r>
+                            <a:rPr lang="en-US" altLang="zh-CN" sz="1100" b="0" i="1" smtClean="0">
+                              <a:latin typeface="Cambria Math" panose="02040503050406030204" pitchFamily="18" charset="0"/>
+                            </a:rPr>
+                            <m:t>𝐵</m:t>
+                          </m:r>
+                          <m:r>
+                            <m:rPr>
+                              <m:sty m:val="p"/>
+                            </m:rPr>
+                            <a:rPr lang="en-US" altLang="zh-CN" sz="1100" i="1">
+                              <a:latin typeface="Cambria Math" panose="02040503050406030204" pitchFamily="18" charset="0"/>
+                            </a:rPr>
+                            <m:t>i</m:t>
+                          </m:r>
+                          <m:r>
+                            <a:rPr lang="en-US" altLang="zh-CN" sz="1100" b="0" i="1" smtClean="0">
+                              <a:latin typeface="Cambria Math" panose="02040503050406030204" pitchFamily="18" charset="0"/>
+                            </a:rPr>
+                            <m:t>𝑡𝑠𝑒𝑡</m:t>
+                          </m:r>
+                        </m:e>
+                        <m:sup>
+                          <m:r>
+                            <a:rPr lang="en-US" altLang="zh-CN" sz="1100" b="0" i="1" smtClean="0">
+                              <a:latin typeface="Cambria Math" panose="02040503050406030204" pitchFamily="18" charset="0"/>
+                            </a:rPr>
+                            <m:t>0</m:t>
+                          </m:r>
+                        </m:sup>
+                      </m:sSup>
+                    </m:oMath>
+                  </m:oMathPara>
+                </a14:m>
+                <a:endParaRPr lang="zh-CN" altLang="en-US" sz="1100" dirty="0"/>
+              </a:p>
+            </p:txBody>
+          </p:sp>
+        </mc:Choice>
+        <mc:Fallback xmlns="">
+          <p:sp>
+            <p:nvSpPr>
+              <p:cNvPr id="72" name="文本框 71">
+                <a:extLst>
+                  <a:ext uri="{FF2B5EF4-FFF2-40B4-BE49-F238E27FC236}">
+                    <a16:creationId xmlns:a16="http://schemas.microsoft.com/office/drawing/2014/main" id="{0132094E-1D39-40F7-80C7-AB44536B7295}"/>
+                  </a:ext>
+                </a:extLst>
+              </p:cNvPr>
+              <p:cNvSpPr txBox="1">
+                <a:spLocks noRot="1" noChangeAspect="1" noMove="1" noResize="1" noEditPoints="1" noAdjustHandles="1" noChangeArrowheads="1" noChangeShapeType="1" noTextEdit="1"/>
+              </p:cNvSpPr>
+              <p:nvPr/>
+            </p:nvSpPr>
+            <p:spPr>
+              <a:xfrm>
+                <a:off x="4825962" y="1934169"/>
+                <a:ext cx="1368152" cy="261610"/>
+              </a:xfrm>
+              <a:prstGeom prst="rect">
+                <a:avLst/>
+              </a:prstGeom>
+              <a:blipFill>
+                <a:blip r:embed="rId17"/>
+                <a:stretch>
+                  <a:fillRect/>
+                </a:stretch>
+              </a:blipFill>
+            </p:spPr>
+            <p:txBody>
+              <a:bodyPr/>
+              <a:lstStyle/>
+              <a:p>
+                <a:r>
+                  <a:rPr lang="zh-CN" altLang="en-US">
+                    <a:noFill/>
+                  </a:rPr>
+                  <a:t> </a:t>
+                </a:r>
+              </a:p>
+            </p:txBody>
+          </p:sp>
+        </mc:Fallback>
+      </mc:AlternateContent>
+      <mc:AlternateContent xmlns:mc="http://schemas.openxmlformats.org/markup-compatibility/2006">
+        <mc:Choice xmlns:a14="http://schemas.microsoft.com/office/drawing/2010/main" Requires="a14">
+          <p:sp>
+            <p:nvSpPr>
+              <p:cNvPr id="49" name="文本框 48">
+                <a:extLst>
+                  <a:ext uri="{FF2B5EF4-FFF2-40B4-BE49-F238E27FC236}">
+                    <a16:creationId xmlns:a16="http://schemas.microsoft.com/office/drawing/2014/main" id="{F3BC8194-6187-4EDF-9B8C-1B05E91EC5C9}"/>
+                  </a:ext>
+                </a:extLst>
+              </p:cNvPr>
+              <p:cNvSpPr txBox="1"/>
+              <p:nvPr/>
+            </p:nvSpPr>
+            <p:spPr>
+              <a:xfrm>
+                <a:off x="2207568" y="4691006"/>
+                <a:ext cx="6096000" cy="376513"/>
+              </a:xfrm>
+              <a:prstGeom prst="rect">
+                <a:avLst/>
+              </a:prstGeom>
+              <a:noFill/>
+            </p:spPr>
+            <p:txBody>
+              <a:bodyPr wrap="square">
+                <a:spAutoFit/>
+              </a:bodyPr>
+              <a:lstStyle/>
+              <a:p>
+                <a:pPr/>
+                <a14:m>
+                  <m:oMathPara xmlns:m="http://schemas.openxmlformats.org/officeDocument/2006/math">
+                    <m:oMathParaPr>
+                      <m:jc m:val="centerGroup"/>
+                    </m:oMathParaPr>
+                    <m:oMath xmlns:m="http://schemas.openxmlformats.org/officeDocument/2006/math">
+                      <m:sSubSup>
+                        <m:sSubSupPr>
+                          <m:ctrlPr>
+                            <a:rPr lang="en-US" altLang="zh-CN" sz="1800" b="0" i="1" smtClean="0">
+                              <a:latin typeface="Cambria Math" panose="02040503050406030204" pitchFamily="18" charset="0"/>
+                            </a:rPr>
+                          </m:ctrlPr>
+                        </m:sSubSupPr>
+                        <m:e>
+                          <m:r>
+                            <a:rPr lang="en-US" altLang="zh-CN" sz="1800" b="0" i="1" smtClean="0">
+                              <a:latin typeface="Cambria Math" panose="02040503050406030204" pitchFamily="18" charset="0"/>
+                            </a:rPr>
+                            <m:t>𝐵𝑖𝑡𝑠𝑒𝑡</m:t>
+                          </m:r>
+                        </m:e>
+                        <m:sub>
+                          <m:r>
+                            <a:rPr lang="en-US" altLang="zh-CN" sz="1800" b="0" i="1" smtClean="0">
+                              <a:latin typeface="Cambria Math" panose="02040503050406030204" pitchFamily="18" charset="0"/>
+                            </a:rPr>
+                            <m:t>0</m:t>
+                          </m:r>
+                        </m:sub>
+                        <m:sup>
+                          <m:r>
+                            <a:rPr lang="en-US" altLang="zh-CN" sz="1800" b="0" i="1" smtClean="0">
+                              <a:latin typeface="Cambria Math" panose="02040503050406030204" pitchFamily="18" charset="0"/>
+                            </a:rPr>
+                            <m:t>0</m:t>
+                          </m:r>
+                        </m:sup>
+                      </m:sSubSup>
+                    </m:oMath>
+                  </m:oMathPara>
+                </a14:m>
+                <a:endParaRPr lang="zh-CN" altLang="en-US" dirty="0"/>
+              </a:p>
+            </p:txBody>
+          </p:sp>
+        </mc:Choice>
+        <mc:Fallback>
+          <p:sp>
+            <p:nvSpPr>
+              <p:cNvPr id="49" name="文本框 48">
+                <a:extLst>
+                  <a:ext uri="{FF2B5EF4-FFF2-40B4-BE49-F238E27FC236}">
+                    <a16:creationId xmlns:a16="http://schemas.microsoft.com/office/drawing/2014/main" id="{F3BC8194-6187-4EDF-9B8C-1B05E91EC5C9}"/>
+                  </a:ext>
+                </a:extLst>
+              </p:cNvPr>
+              <p:cNvSpPr txBox="1">
+                <a:spLocks noRot="1" noChangeAspect="1" noMove="1" noResize="1" noEditPoints="1" noAdjustHandles="1" noChangeArrowheads="1" noChangeShapeType="1" noTextEdit="1"/>
+              </p:cNvSpPr>
+              <p:nvPr/>
+            </p:nvSpPr>
+            <p:spPr>
+              <a:xfrm>
+                <a:off x="2207568" y="4691006"/>
+                <a:ext cx="6096000" cy="376513"/>
+              </a:xfrm>
+              <a:prstGeom prst="rect">
+                <a:avLst/>
+              </a:prstGeom>
+              <a:blipFill>
+                <a:blip r:embed="rId18"/>
+                <a:stretch>
+                  <a:fillRect b="-1639"/>
+                </a:stretch>
+              </a:blipFill>
+            </p:spPr>
+            <p:txBody>
+              <a:bodyPr/>
+              <a:lstStyle/>
+              <a:p>
+                <a:r>
+                  <a:rPr lang="zh-CN" altLang="en-US">
+                    <a:noFill/>
+                  </a:rPr>
+                  <a:t> </a:t>
+                </a:r>
+              </a:p>
+            </p:txBody>
+          </p:sp>
+        </mc:Fallback>
+      </mc:AlternateContent>
+      <mc:AlternateContent xmlns:mc="http://schemas.openxmlformats.org/markup-compatibility/2006">
+        <mc:Choice xmlns:a14="http://schemas.microsoft.com/office/drawing/2010/main" Requires="a14">
+          <p:sp>
+            <p:nvSpPr>
+              <p:cNvPr id="50" name="文本框 49">
+                <a:extLst>
+                  <a:ext uri="{FF2B5EF4-FFF2-40B4-BE49-F238E27FC236}">
+                    <a16:creationId xmlns:a16="http://schemas.microsoft.com/office/drawing/2014/main" id="{FB28412C-73C7-4903-AAF0-1BDEA7E184BB}"/>
+                  </a:ext>
+                </a:extLst>
+              </p:cNvPr>
+              <p:cNvSpPr txBox="1"/>
+              <p:nvPr/>
+            </p:nvSpPr>
+            <p:spPr>
+              <a:xfrm>
+                <a:off x="2207568" y="5163418"/>
+                <a:ext cx="6096000" cy="376513"/>
+              </a:xfrm>
+              <a:prstGeom prst="rect">
+                <a:avLst/>
+              </a:prstGeom>
+              <a:noFill/>
+            </p:spPr>
+            <p:txBody>
+              <a:bodyPr wrap="square">
+                <a:spAutoFit/>
+              </a:bodyPr>
+              <a:lstStyle/>
+              <a:p>
+                <a:pPr/>
+                <a14:m>
+                  <m:oMathPara xmlns:m="http://schemas.openxmlformats.org/officeDocument/2006/math">
+                    <m:oMathParaPr>
+                      <m:jc m:val="centerGroup"/>
+                    </m:oMathParaPr>
+                    <m:oMath xmlns:m="http://schemas.openxmlformats.org/officeDocument/2006/math">
+                      <m:sSubSup>
+                        <m:sSubSupPr>
+                          <m:ctrlPr>
+                            <a:rPr lang="en-US" altLang="zh-CN" sz="1800" b="0" i="1" smtClean="0">
+                              <a:latin typeface="Cambria Math" panose="02040503050406030204" pitchFamily="18" charset="0"/>
+                            </a:rPr>
+                          </m:ctrlPr>
+                        </m:sSubSupPr>
+                        <m:e>
+                          <m:r>
+                            <a:rPr lang="en-US" altLang="zh-CN" sz="1800" b="0" i="1" smtClean="0">
+                              <a:latin typeface="Cambria Math" panose="02040503050406030204" pitchFamily="18" charset="0"/>
+                            </a:rPr>
+                            <m:t>𝐵𝑖𝑡𝑠𝑒𝑡</m:t>
+                          </m:r>
+                        </m:e>
+                        <m:sub>
+                          <m:r>
+                            <a:rPr lang="en-US" altLang="zh-CN" sz="1800" b="0" i="1" smtClean="0">
+                              <a:latin typeface="Cambria Math" panose="02040503050406030204" pitchFamily="18" charset="0"/>
+                            </a:rPr>
+                            <m:t>0</m:t>
+                          </m:r>
+                        </m:sub>
+                        <m:sup>
+                          <m:r>
+                            <a:rPr lang="en-US" altLang="zh-CN" sz="1800" b="0" i="1" smtClean="0">
+                              <a:latin typeface="Cambria Math" panose="02040503050406030204" pitchFamily="18" charset="0"/>
+                            </a:rPr>
+                            <m:t>1</m:t>
+                          </m:r>
+                        </m:sup>
+                      </m:sSubSup>
+                    </m:oMath>
+                  </m:oMathPara>
+                </a14:m>
+                <a:endParaRPr lang="zh-CN" altLang="en-US" dirty="0"/>
+              </a:p>
+            </p:txBody>
+          </p:sp>
+        </mc:Choice>
+        <mc:Fallback>
+          <p:sp>
+            <p:nvSpPr>
+              <p:cNvPr id="50" name="文本框 49">
+                <a:extLst>
+                  <a:ext uri="{FF2B5EF4-FFF2-40B4-BE49-F238E27FC236}">
+                    <a16:creationId xmlns:a16="http://schemas.microsoft.com/office/drawing/2014/main" id="{FB28412C-73C7-4903-AAF0-1BDEA7E184BB}"/>
+                  </a:ext>
+                </a:extLst>
+              </p:cNvPr>
+              <p:cNvSpPr txBox="1">
+                <a:spLocks noRot="1" noChangeAspect="1" noMove="1" noResize="1" noEditPoints="1" noAdjustHandles="1" noChangeArrowheads="1" noChangeShapeType="1" noTextEdit="1"/>
+              </p:cNvSpPr>
+              <p:nvPr/>
+            </p:nvSpPr>
+            <p:spPr>
+              <a:xfrm>
+                <a:off x="2207568" y="5163418"/>
+                <a:ext cx="6096000" cy="376513"/>
+              </a:xfrm>
+              <a:prstGeom prst="rect">
+                <a:avLst/>
+              </a:prstGeom>
+              <a:blipFill>
+                <a:blip r:embed="rId19"/>
+                <a:stretch>
+                  <a:fillRect/>
+                </a:stretch>
+              </a:blipFill>
+            </p:spPr>
+            <p:txBody>
+              <a:bodyPr/>
+              <a:lstStyle/>
+              <a:p>
+                <a:r>
+                  <a:rPr lang="zh-CN" altLang="en-US">
+                    <a:noFill/>
+                  </a:rPr>
+                  <a:t> </a:t>
+                </a:r>
+              </a:p>
+            </p:txBody>
+          </p:sp>
+        </mc:Fallback>
+      </mc:AlternateContent>
+      <mc:AlternateContent xmlns:mc="http://schemas.openxmlformats.org/markup-compatibility/2006">
+        <mc:Choice xmlns:a14="http://schemas.microsoft.com/office/drawing/2010/main" Requires="a14">
+          <p:sp>
+            <p:nvSpPr>
+              <p:cNvPr id="51" name="文本框 50">
+                <a:extLst>
+                  <a:ext uri="{FF2B5EF4-FFF2-40B4-BE49-F238E27FC236}">
+                    <a16:creationId xmlns:a16="http://schemas.microsoft.com/office/drawing/2014/main" id="{41283AA5-4ACD-4C9C-B645-0430CE51992C}"/>
+                  </a:ext>
+                </a:extLst>
+              </p:cNvPr>
+              <p:cNvSpPr txBox="1"/>
+              <p:nvPr/>
+            </p:nvSpPr>
+            <p:spPr>
+              <a:xfrm>
+                <a:off x="2207568" y="5587433"/>
+                <a:ext cx="6096000" cy="374783"/>
+              </a:xfrm>
+              <a:prstGeom prst="rect">
+                <a:avLst/>
+              </a:prstGeom>
+              <a:noFill/>
+            </p:spPr>
+            <p:txBody>
+              <a:bodyPr wrap="square">
+                <a:spAutoFit/>
+              </a:bodyPr>
+              <a:lstStyle/>
+              <a:p>
+                <a:pPr/>
+                <a14:m>
+                  <m:oMathPara xmlns:m="http://schemas.openxmlformats.org/officeDocument/2006/math">
+                    <m:oMathParaPr>
+                      <m:jc m:val="centerGroup"/>
+                    </m:oMathParaPr>
+                    <m:oMath xmlns:m="http://schemas.openxmlformats.org/officeDocument/2006/math">
+                      <m:sSubSup>
+                        <m:sSubSupPr>
+                          <m:ctrlPr>
+                            <a:rPr lang="en-US" altLang="zh-CN" sz="1800" b="0" i="1" smtClean="0">
+                              <a:latin typeface="Cambria Math" panose="02040503050406030204" pitchFamily="18" charset="0"/>
+                            </a:rPr>
+                          </m:ctrlPr>
+                        </m:sSubSupPr>
+                        <m:e>
+                          <m:r>
+                            <a:rPr lang="en-US" altLang="zh-CN" sz="1800" b="0" i="1" smtClean="0">
+                              <a:latin typeface="Cambria Math" panose="02040503050406030204" pitchFamily="18" charset="0"/>
+                            </a:rPr>
+                            <m:t>𝐵𝑖𝑡𝑠𝑒𝑡</m:t>
+                          </m:r>
+                        </m:e>
+                        <m:sub>
+                          <m:r>
+                            <a:rPr lang="en-US" altLang="zh-CN" sz="1800" b="0" i="1" smtClean="0">
+                              <a:latin typeface="Cambria Math" panose="02040503050406030204" pitchFamily="18" charset="0"/>
+                            </a:rPr>
+                            <m:t>0</m:t>
+                          </m:r>
+                        </m:sub>
+                        <m:sup>
+                          <m:r>
+                            <a:rPr lang="en-US" altLang="zh-CN" sz="1800" b="0" i="1" smtClean="0">
+                              <a:latin typeface="Cambria Math" panose="02040503050406030204" pitchFamily="18" charset="0"/>
+                            </a:rPr>
+                            <m:t>2</m:t>
+                          </m:r>
+                        </m:sup>
+                      </m:sSubSup>
+                    </m:oMath>
+                  </m:oMathPara>
+                </a14:m>
+                <a:endParaRPr lang="zh-CN" altLang="en-US" dirty="0"/>
+              </a:p>
+            </p:txBody>
+          </p:sp>
+        </mc:Choice>
+        <mc:Fallback>
+          <p:sp>
+            <p:nvSpPr>
+              <p:cNvPr id="51" name="文本框 50">
+                <a:extLst>
+                  <a:ext uri="{FF2B5EF4-FFF2-40B4-BE49-F238E27FC236}">
+                    <a16:creationId xmlns:a16="http://schemas.microsoft.com/office/drawing/2014/main" id="{41283AA5-4ACD-4C9C-B645-0430CE51992C}"/>
+                  </a:ext>
+                </a:extLst>
+              </p:cNvPr>
+              <p:cNvSpPr txBox="1">
+                <a:spLocks noRot="1" noChangeAspect="1" noMove="1" noResize="1" noEditPoints="1" noAdjustHandles="1" noChangeArrowheads="1" noChangeShapeType="1" noTextEdit="1"/>
+              </p:cNvSpPr>
+              <p:nvPr/>
+            </p:nvSpPr>
+            <p:spPr>
+              <a:xfrm>
+                <a:off x="2207568" y="5587433"/>
+                <a:ext cx="6096000" cy="374783"/>
+              </a:xfrm>
+              <a:prstGeom prst="rect">
+                <a:avLst/>
+              </a:prstGeom>
+              <a:blipFill>
+                <a:blip r:embed="rId20"/>
+                <a:stretch>
+                  <a:fillRect b="-1639"/>
+                </a:stretch>
+              </a:blipFill>
+            </p:spPr>
+            <p:txBody>
+              <a:bodyPr/>
+              <a:lstStyle/>
+              <a:p>
+                <a:r>
+                  <a:rPr lang="zh-CN" altLang="en-US">
+                    <a:noFill/>
+                  </a:rPr>
+                  <a:t> </a:t>
+                </a:r>
+              </a:p>
+            </p:txBody>
+          </p:sp>
+        </mc:Fallback>
+      </mc:AlternateContent>
+      <mc:AlternateContent xmlns:mc="http://schemas.openxmlformats.org/markup-compatibility/2006">
+        <mc:Choice xmlns:a14="http://schemas.microsoft.com/office/drawing/2010/main" Requires="a14">
+          <p:sp>
+            <p:nvSpPr>
+              <p:cNvPr id="52" name="文本框 51">
+                <a:extLst>
+                  <a:ext uri="{FF2B5EF4-FFF2-40B4-BE49-F238E27FC236}">
+                    <a16:creationId xmlns:a16="http://schemas.microsoft.com/office/drawing/2014/main" id="{580D25C9-3525-4CC2-829D-5A4EB1964D91}"/>
+                  </a:ext>
+                </a:extLst>
+              </p:cNvPr>
+              <p:cNvSpPr txBox="1"/>
+              <p:nvPr/>
+            </p:nvSpPr>
+            <p:spPr>
+              <a:xfrm>
+                <a:off x="2207568" y="5992676"/>
+                <a:ext cx="6096000" cy="376193"/>
+              </a:xfrm>
+              <a:prstGeom prst="rect">
+                <a:avLst/>
+              </a:prstGeom>
+              <a:noFill/>
+            </p:spPr>
+            <p:txBody>
+              <a:bodyPr wrap="square">
+                <a:spAutoFit/>
+              </a:bodyPr>
+              <a:lstStyle/>
+              <a:p>
+                <a:pPr/>
+                <a14:m>
+                  <m:oMathPara xmlns:m="http://schemas.openxmlformats.org/officeDocument/2006/math">
+                    <m:oMathParaPr>
+                      <m:jc m:val="centerGroup"/>
+                    </m:oMathParaPr>
+                    <m:oMath xmlns:m="http://schemas.openxmlformats.org/officeDocument/2006/math">
+                      <m:sSubSup>
+                        <m:sSubSupPr>
+                          <m:ctrlPr>
+                            <a:rPr lang="en-US" altLang="zh-CN" sz="1800" b="0" i="1" smtClean="0">
+                              <a:latin typeface="Cambria Math" panose="02040503050406030204" pitchFamily="18" charset="0"/>
+                            </a:rPr>
+                          </m:ctrlPr>
+                        </m:sSubSupPr>
+                        <m:e>
+                          <m:r>
+                            <a:rPr lang="en-US" altLang="zh-CN" sz="1800" b="0" i="1" smtClean="0">
+                              <a:latin typeface="Cambria Math" panose="02040503050406030204" pitchFamily="18" charset="0"/>
+                            </a:rPr>
+                            <m:t>𝐵𝑖𝑡𝑠𝑒𝑡</m:t>
+                          </m:r>
+                        </m:e>
+                        <m:sub>
+                          <m:r>
+                            <a:rPr lang="en-US" altLang="zh-CN" sz="1800" b="0" i="1" smtClean="0">
+                              <a:latin typeface="Cambria Math" panose="02040503050406030204" pitchFamily="18" charset="0"/>
+                            </a:rPr>
+                            <m:t>0</m:t>
+                          </m:r>
+                        </m:sub>
+                        <m:sup>
+                          <m:r>
+                            <a:rPr lang="en-US" altLang="zh-CN" sz="1800" b="0" i="1" smtClean="0">
+                              <a:latin typeface="Cambria Math" panose="02040503050406030204" pitchFamily="18" charset="0"/>
+                            </a:rPr>
+                            <m:t>3</m:t>
+                          </m:r>
+                        </m:sup>
+                      </m:sSubSup>
+                    </m:oMath>
+                  </m:oMathPara>
+                </a14:m>
+                <a:endParaRPr lang="zh-CN" altLang="en-US" dirty="0"/>
+              </a:p>
+            </p:txBody>
+          </p:sp>
+        </mc:Choice>
+        <mc:Fallback>
+          <p:sp>
+            <p:nvSpPr>
+              <p:cNvPr id="52" name="文本框 51">
+                <a:extLst>
+                  <a:ext uri="{FF2B5EF4-FFF2-40B4-BE49-F238E27FC236}">
+                    <a16:creationId xmlns:a16="http://schemas.microsoft.com/office/drawing/2014/main" id="{580D25C9-3525-4CC2-829D-5A4EB1964D91}"/>
+                  </a:ext>
+                </a:extLst>
+              </p:cNvPr>
+              <p:cNvSpPr txBox="1">
+                <a:spLocks noRot="1" noChangeAspect="1" noMove="1" noResize="1" noEditPoints="1" noAdjustHandles="1" noChangeArrowheads="1" noChangeShapeType="1" noTextEdit="1"/>
+              </p:cNvSpPr>
+              <p:nvPr/>
+            </p:nvSpPr>
+            <p:spPr>
+              <a:xfrm>
+                <a:off x="2207568" y="5992676"/>
+                <a:ext cx="6096000" cy="376193"/>
+              </a:xfrm>
+              <a:prstGeom prst="rect">
+                <a:avLst/>
+              </a:prstGeom>
+              <a:blipFill>
+                <a:blip r:embed="rId21"/>
+                <a:stretch>
+                  <a:fillRect/>
+                </a:stretch>
+              </a:blipFill>
+            </p:spPr>
+            <p:txBody>
+              <a:bodyPr/>
+              <a:lstStyle/>
+              <a:p>
+                <a:r>
+                  <a:rPr lang="zh-CN" altLang="en-US">
+                    <a:noFill/>
+                  </a:rPr>
+                  <a:t> </a:t>
+                </a:r>
+              </a:p>
+            </p:txBody>
+          </p:sp>
+        </mc:Fallback>
+      </mc:AlternateContent>
+    </p:spTree>
+    <p:extLst>
+      <p:ext uri="{BB962C8B-B14F-4D97-AF65-F5344CB8AC3E}">
+        <p14:creationId xmlns:p14="http://schemas.microsoft.com/office/powerpoint/2010/main" val="2960759647"/>
       </p:ext>
     </p:extLst>
   </p:cSld>
